--- a/Proyecto App Móviles.pptx
+++ b/Proyecto App Móviles.pptx
@@ -9,12 +9,14 @@
     <p:sldId id="257" r:id="rId3"/>
     <p:sldId id="258" r:id="rId4"/>
     <p:sldId id="259" r:id="rId5"/>
-    <p:sldId id="260" r:id="rId6"/>
-    <p:sldId id="262" r:id="rId7"/>
-    <p:sldId id="264" r:id="rId8"/>
-    <p:sldId id="263" r:id="rId9"/>
-    <p:sldId id="266" r:id="rId10"/>
-    <p:sldId id="267" r:id="rId11"/>
+    <p:sldId id="266" r:id="rId6"/>
+    <p:sldId id="268" r:id="rId7"/>
+    <p:sldId id="274" r:id="rId8"/>
+    <p:sldId id="269" r:id="rId9"/>
+    <p:sldId id="271" r:id="rId10"/>
+    <p:sldId id="273" r:id="rId11"/>
+    <p:sldId id="270" r:id="rId12"/>
+    <p:sldId id="272" r:id="rId13"/>
   </p:sldIdLst>
   <p:sldSz cx="12192000" cy="6858000"/>
   <p:notesSz cx="6858000" cy="9144000"/>
@@ -113,6 +115,11 @@
       </a:defRPr>
     </a:lvl9pPr>
   </p:defaultTextStyle>
+  <p:extLst>
+    <p:ext uri="{EFAFB233-063F-42B5-8137-9DF3F51BA10A}">
+      <p15:sldGuideLst xmlns:p15="http://schemas.microsoft.com/office/powerpoint/2012/main"/>
+    </p:ext>
+  </p:extLst>
 </p:presentation>
 </file>
 
@@ -5970,35 +5977,753 @@
           <a:chExt cx="0" cy="0"/>
         </a:xfrm>
       </p:grpSpPr>
-      <p:sp>
-        <p:nvSpPr>
-          <p:cNvPr id="2" name="Título 1">
+      <p:pic>
+        <p:nvPicPr>
+          <p:cNvPr id="3" name="Imagen 2">
             <a:extLst>
               <a:ext uri="{FF2B5EF4-FFF2-40B4-BE49-F238E27FC236}">
-                <a16:creationId xmlns:a16="http://schemas.microsoft.com/office/drawing/2014/main" id="{23EE9CEF-3458-7902-3804-91ECFEDB4F28}"/>
+                <a16:creationId xmlns:a16="http://schemas.microsoft.com/office/drawing/2014/main" id="{24116E12-5D0F-6F21-1635-F9EC629E3681}"/>
               </a:ext>
             </a:extLst>
           </p:cNvPr>
-          <p:cNvSpPr>
-            <a:spLocks noGrp="1"/>
-          </p:cNvSpPr>
-          <p:nvPr>
-            <p:ph type="title"/>
-          </p:nvPr>
-        </p:nvSpPr>
-        <p:spPr/>
-        <p:txBody>
-          <a:bodyPr/>
-          <a:lstStyle/>
-          <a:p>
-            <a:endParaRPr lang="es-PE" dirty="0"/>
+          <p:cNvPicPr>
+            <a:picLocks noChangeAspect="1"/>
+          </p:cNvPicPr>
+          <p:nvPr/>
+        </p:nvPicPr>
+        <p:blipFill>
+          <a:blip r:embed="rId2"/>
+          <a:stretch>
+            <a:fillRect/>
+          </a:stretch>
+        </p:blipFill>
+        <p:spPr>
+          <a:xfrm>
+            <a:off x="1866938" y="1099126"/>
+            <a:ext cx="2226600" cy="4447309"/>
+          </a:xfrm>
+          <a:prstGeom prst="rect">
+            <a:avLst/>
+          </a:prstGeom>
+        </p:spPr>
+      </p:pic>
+      <p:pic>
+        <p:nvPicPr>
+          <p:cNvPr id="5" name="Imagen 4">
+            <a:extLst>
+              <a:ext uri="{FF2B5EF4-FFF2-40B4-BE49-F238E27FC236}">
+                <a16:creationId xmlns:a16="http://schemas.microsoft.com/office/drawing/2014/main" id="{9C6E80DC-2B9D-252A-4C3D-D610A1106CA7}"/>
+              </a:ext>
+            </a:extLst>
+          </p:cNvPr>
+          <p:cNvPicPr>
+            <a:picLocks noChangeAspect="1"/>
+          </p:cNvPicPr>
+          <p:nvPr/>
+        </p:nvPicPr>
+        <p:blipFill>
+          <a:blip r:embed="rId3"/>
+          <a:stretch>
+            <a:fillRect/>
+          </a:stretch>
+        </p:blipFill>
+        <p:spPr>
+          <a:xfrm>
+            <a:off x="4948689" y="1099126"/>
+            <a:ext cx="2294622" cy="4447309"/>
+          </a:xfrm>
+          <a:prstGeom prst="rect">
+            <a:avLst/>
+          </a:prstGeom>
+        </p:spPr>
+      </p:pic>
+      <p:pic>
+        <p:nvPicPr>
+          <p:cNvPr id="7" name="Imagen 6">
+            <a:extLst>
+              <a:ext uri="{FF2B5EF4-FFF2-40B4-BE49-F238E27FC236}">
+                <a16:creationId xmlns:a16="http://schemas.microsoft.com/office/drawing/2014/main" id="{944D4970-7E60-3C2C-57D2-04C5B4816D71}"/>
+              </a:ext>
+            </a:extLst>
+          </p:cNvPr>
+          <p:cNvPicPr>
+            <a:picLocks noChangeAspect="1"/>
+          </p:cNvPicPr>
+          <p:nvPr/>
+        </p:nvPicPr>
+        <p:blipFill>
+          <a:blip r:embed="rId4"/>
+          <a:stretch>
+            <a:fillRect/>
+          </a:stretch>
+        </p:blipFill>
+        <p:spPr>
+          <a:xfrm>
+            <a:off x="7938675" y="1099126"/>
+            <a:ext cx="2294622" cy="4449824"/>
+          </a:xfrm>
+          <a:prstGeom prst="rect">
+            <a:avLst/>
+          </a:prstGeom>
+        </p:spPr>
+      </p:pic>
+      <p:sp>
+        <p:nvSpPr>
+          <p:cNvPr id="8" name="Rectángulo 7">
+            <a:extLst>
+              <a:ext uri="{FF2B5EF4-FFF2-40B4-BE49-F238E27FC236}">
+                <a16:creationId xmlns:a16="http://schemas.microsoft.com/office/drawing/2014/main" id="{AAC33D98-5B5D-DF98-8021-5B701CD40857}"/>
+              </a:ext>
+            </a:extLst>
+          </p:cNvPr>
+          <p:cNvSpPr/>
+          <p:nvPr/>
+        </p:nvSpPr>
+        <p:spPr>
+          <a:xfrm>
+            <a:off x="2043720" y="5546435"/>
+            <a:ext cx="1956691" cy="461665"/>
+          </a:xfrm>
+          <a:prstGeom prst="rect">
+            <a:avLst/>
+          </a:prstGeom>
+          <a:noFill/>
+        </p:spPr>
+        <p:txBody>
+          <a:bodyPr wrap="none" lIns="91440" tIns="45720" rIns="91440" bIns="45720">
+            <a:spAutoFit/>
+          </a:bodyPr>
+          <a:lstStyle/>
+          <a:p>
+            <a:pPr algn="ctr"/>
+            <a:r>
+              <a:rPr lang="es-ES" sz="2400" b="0" cap="none" spc="0" dirty="0">
+                <a:ln w="0"/>
+                <a:solidFill>
+                  <a:schemeClr val="tx1"/>
+                </a:solidFill>
+                <a:effectLst>
+                  <a:outerShdw blurRad="38100" dist="19050" dir="2700000" algn="tl" rotWithShape="0">
+                    <a:schemeClr val="dk1">
+                      <a:alpha val="40000"/>
+                    </a:schemeClr>
+                  </a:outerShdw>
+                </a:effectLst>
+              </a:rPr>
+              <a:t>Agregar tarjeta</a:t>
+            </a:r>
+          </a:p>
+        </p:txBody>
+      </p:sp>
+      <p:sp>
+        <p:nvSpPr>
+          <p:cNvPr id="9" name="Rectángulo 8">
+            <a:extLst>
+              <a:ext uri="{FF2B5EF4-FFF2-40B4-BE49-F238E27FC236}">
+                <a16:creationId xmlns:a16="http://schemas.microsoft.com/office/drawing/2014/main" id="{D0809AC9-64EE-5A89-E215-067F05F45207}"/>
+              </a:ext>
+            </a:extLst>
+          </p:cNvPr>
+          <p:cNvSpPr/>
+          <p:nvPr/>
+        </p:nvSpPr>
+        <p:spPr>
+          <a:xfrm>
+            <a:off x="4982555" y="5603249"/>
+            <a:ext cx="2226893" cy="461665"/>
+          </a:xfrm>
+          <a:prstGeom prst="rect">
+            <a:avLst/>
+          </a:prstGeom>
+          <a:noFill/>
+        </p:spPr>
+        <p:txBody>
+          <a:bodyPr wrap="none" lIns="91440" tIns="45720" rIns="91440" bIns="45720">
+            <a:spAutoFit/>
+          </a:bodyPr>
+          <a:lstStyle/>
+          <a:p>
+            <a:pPr algn="ctr"/>
+            <a:r>
+              <a:rPr lang="es-ES" sz="2400" b="0" cap="none" spc="0" dirty="0">
+                <a:ln w="0"/>
+                <a:solidFill>
+                  <a:schemeClr val="tx1"/>
+                </a:solidFill>
+                <a:effectLst>
+                  <a:outerShdw blurRad="38100" dist="19050" dir="2700000" algn="tl" rotWithShape="0">
+                    <a:schemeClr val="dk1">
+                      <a:alpha val="40000"/>
+                    </a:schemeClr>
+                  </a:outerShdw>
+                </a:effectLst>
+              </a:rPr>
+              <a:t>Llenado de datos</a:t>
+            </a:r>
+          </a:p>
+        </p:txBody>
+      </p:sp>
+      <p:sp>
+        <p:nvSpPr>
+          <p:cNvPr id="10" name="Rectángulo 9">
+            <a:extLst>
+              <a:ext uri="{FF2B5EF4-FFF2-40B4-BE49-F238E27FC236}">
+                <a16:creationId xmlns:a16="http://schemas.microsoft.com/office/drawing/2014/main" id="{04F43F3C-4968-2850-AEE4-A4F76352A20D}"/>
+              </a:ext>
+            </a:extLst>
+          </p:cNvPr>
+          <p:cNvSpPr/>
+          <p:nvPr/>
+        </p:nvSpPr>
+        <p:spPr>
+          <a:xfrm>
+            <a:off x="8018225" y="5603249"/>
+            <a:ext cx="2135521" cy="461665"/>
+          </a:xfrm>
+          <a:prstGeom prst="rect">
+            <a:avLst/>
+          </a:prstGeom>
+          <a:noFill/>
+        </p:spPr>
+        <p:txBody>
+          <a:bodyPr wrap="none" lIns="91440" tIns="45720" rIns="91440" bIns="45720">
+            <a:spAutoFit/>
+          </a:bodyPr>
+          <a:lstStyle/>
+          <a:p>
+            <a:pPr algn="ctr"/>
+            <a:r>
+              <a:rPr lang="es-ES" sz="2400" b="0" cap="none" spc="0" dirty="0">
+                <a:ln w="0"/>
+                <a:solidFill>
+                  <a:schemeClr val="tx1"/>
+                </a:solidFill>
+                <a:effectLst>
+                  <a:outerShdw blurRad="38100" dist="19050" dir="2700000" algn="tl" rotWithShape="0">
+                    <a:schemeClr val="dk1">
+                      <a:alpha val="40000"/>
+                    </a:schemeClr>
+                  </a:outerShdw>
+                </a:effectLst>
+              </a:rPr>
+              <a:t>Tarjeta agregada</a:t>
+            </a:r>
           </a:p>
         </p:txBody>
       </p:sp>
     </p:spTree>
     <p:extLst>
       <p:ext uri="{BB962C8B-B14F-4D97-AF65-F5344CB8AC3E}">
-        <p14:creationId xmlns:p14="http://schemas.microsoft.com/office/powerpoint/2010/main" val="950434588"/>
+        <p14:creationId xmlns:p14="http://schemas.microsoft.com/office/powerpoint/2010/main" val="3524936537"/>
+      </p:ext>
+    </p:extLst>
+  </p:cSld>
+  <p:clrMapOvr>
+    <a:masterClrMapping/>
+  </p:clrMapOvr>
+</p:sld>
+</file>
+
+<file path=ppt/slides/slide11.xml><?xml version="1.0" encoding="utf-8"?>
+<p:sld xmlns:a="http://schemas.openxmlformats.org/drawingml/2006/main" xmlns:r="http://schemas.openxmlformats.org/officeDocument/2006/relationships" xmlns:p="http://schemas.openxmlformats.org/presentationml/2006/main">
+  <p:cSld>
+    <p:spTree>
+      <p:nvGrpSpPr>
+        <p:cNvPr id="1" name=""/>
+        <p:cNvGrpSpPr/>
+        <p:nvPr/>
+      </p:nvGrpSpPr>
+      <p:grpSpPr>
+        <a:xfrm>
+          <a:off x="0" y="0"/>
+          <a:ext cx="0" cy="0"/>
+          <a:chOff x="0" y="0"/>
+          <a:chExt cx="0" cy="0"/>
+        </a:xfrm>
+      </p:grpSpPr>
+      <p:pic>
+        <p:nvPicPr>
+          <p:cNvPr id="3" name="Imagen 2">
+            <a:extLst>
+              <a:ext uri="{FF2B5EF4-FFF2-40B4-BE49-F238E27FC236}">
+                <a16:creationId xmlns:a16="http://schemas.microsoft.com/office/drawing/2014/main" id="{FDC29B43-A87C-45ED-E400-C8297C2435E3}"/>
+              </a:ext>
+            </a:extLst>
+          </p:cNvPr>
+          <p:cNvPicPr>
+            <a:picLocks noChangeAspect="1"/>
+          </p:cNvPicPr>
+          <p:nvPr/>
+        </p:nvPicPr>
+        <p:blipFill>
+          <a:blip r:embed="rId2"/>
+          <a:stretch>
+            <a:fillRect/>
+          </a:stretch>
+        </p:blipFill>
+        <p:spPr>
+          <a:xfrm>
+            <a:off x="2620362" y="1019091"/>
+            <a:ext cx="2404719" cy="4493491"/>
+          </a:xfrm>
+          <a:prstGeom prst="rect">
+            <a:avLst/>
+          </a:prstGeom>
+        </p:spPr>
+      </p:pic>
+      <p:pic>
+        <p:nvPicPr>
+          <p:cNvPr id="9" name="Imagen 8">
+            <a:extLst>
+              <a:ext uri="{FF2B5EF4-FFF2-40B4-BE49-F238E27FC236}">
+                <a16:creationId xmlns:a16="http://schemas.microsoft.com/office/drawing/2014/main" id="{2A3AD024-AA21-AF44-DA4F-48B51A5D1226}"/>
+              </a:ext>
+            </a:extLst>
+          </p:cNvPr>
+          <p:cNvPicPr>
+            <a:picLocks noChangeAspect="1"/>
+          </p:cNvPicPr>
+          <p:nvPr/>
+        </p:nvPicPr>
+        <p:blipFill>
+          <a:blip r:embed="rId3"/>
+          <a:stretch>
+            <a:fillRect/>
+          </a:stretch>
+        </p:blipFill>
+        <p:spPr>
+          <a:xfrm>
+            <a:off x="7166920" y="1157637"/>
+            <a:ext cx="2220619" cy="4354945"/>
+          </a:xfrm>
+          <a:prstGeom prst="rect">
+            <a:avLst/>
+          </a:prstGeom>
+        </p:spPr>
+      </p:pic>
+      <p:sp>
+        <p:nvSpPr>
+          <p:cNvPr id="12" name="Rectángulo 11">
+            <a:extLst>
+              <a:ext uri="{FF2B5EF4-FFF2-40B4-BE49-F238E27FC236}">
+                <a16:creationId xmlns:a16="http://schemas.microsoft.com/office/drawing/2014/main" id="{44950C06-16D6-BCFC-0DD4-94D4DF4441A8}"/>
+              </a:ext>
+            </a:extLst>
+          </p:cNvPr>
+          <p:cNvSpPr/>
+          <p:nvPr/>
+        </p:nvSpPr>
+        <p:spPr>
+          <a:xfrm>
+            <a:off x="2707610" y="5512582"/>
+            <a:ext cx="2329228" cy="461665"/>
+          </a:xfrm>
+          <a:prstGeom prst="rect">
+            <a:avLst/>
+          </a:prstGeom>
+          <a:noFill/>
+        </p:spPr>
+        <p:txBody>
+          <a:bodyPr wrap="none" lIns="91440" tIns="45720" rIns="91440" bIns="45720">
+            <a:spAutoFit/>
+          </a:bodyPr>
+          <a:lstStyle/>
+          <a:p>
+            <a:pPr algn="ctr"/>
+            <a:r>
+              <a:rPr lang="es-ES" sz="2400" b="0" cap="none" spc="0" dirty="0">
+                <a:ln w="0"/>
+                <a:solidFill>
+                  <a:schemeClr val="tx1"/>
+                </a:solidFill>
+                <a:effectLst>
+                  <a:outerShdw blurRad="38100" dist="19050" dir="2700000" algn="tl" rotWithShape="0">
+                    <a:schemeClr val="dk1">
+                      <a:alpha val="40000"/>
+                    </a:schemeClr>
+                  </a:outerShdw>
+                </a:effectLst>
+              </a:rPr>
+              <a:t>Menú desplegable</a:t>
+            </a:r>
+          </a:p>
+        </p:txBody>
+      </p:sp>
+      <p:sp>
+        <p:nvSpPr>
+          <p:cNvPr id="13" name="Rectángulo 12">
+            <a:extLst>
+              <a:ext uri="{FF2B5EF4-FFF2-40B4-BE49-F238E27FC236}">
+                <a16:creationId xmlns:a16="http://schemas.microsoft.com/office/drawing/2014/main" id="{D1F97B4F-9DA3-23EE-9B68-C92D30CD82BB}"/>
+              </a:ext>
+            </a:extLst>
+          </p:cNvPr>
+          <p:cNvSpPr/>
+          <p:nvPr/>
+        </p:nvSpPr>
+        <p:spPr>
+          <a:xfrm>
+            <a:off x="6554383" y="5512582"/>
+            <a:ext cx="3187347" cy="461665"/>
+          </a:xfrm>
+          <a:prstGeom prst="rect">
+            <a:avLst/>
+          </a:prstGeom>
+          <a:noFill/>
+        </p:spPr>
+        <p:txBody>
+          <a:bodyPr wrap="none" lIns="91440" tIns="45720" rIns="91440" bIns="45720">
+            <a:spAutoFit/>
+          </a:bodyPr>
+          <a:lstStyle/>
+          <a:p>
+            <a:pPr algn="ctr"/>
+            <a:r>
+              <a:rPr lang="es-ES" sz="2400" b="0" cap="none" spc="0" dirty="0">
+                <a:ln w="0"/>
+                <a:solidFill>
+                  <a:schemeClr val="tx1"/>
+                </a:solidFill>
+                <a:effectLst>
+                  <a:outerShdw blurRad="38100" dist="19050" dir="2700000" algn="tl" rotWithShape="0">
+                    <a:schemeClr val="dk1">
+                      <a:alpha val="40000"/>
+                    </a:schemeClr>
+                  </a:outerShdw>
+                </a:effectLst>
+              </a:rPr>
+              <a:t>Carrito de compras </a:t>
+            </a:r>
+            <a:r>
+              <a:rPr lang="es-ES" sz="2400" b="0" cap="none" spc="0" dirty="0" err="1">
+                <a:ln w="0"/>
+                <a:solidFill>
+                  <a:schemeClr val="tx1"/>
+                </a:solidFill>
+                <a:effectLst>
+                  <a:outerShdw blurRad="38100" dist="19050" dir="2700000" algn="tl" rotWithShape="0">
+                    <a:schemeClr val="dk1">
+                      <a:alpha val="40000"/>
+                    </a:schemeClr>
+                  </a:outerShdw>
+                </a:effectLst>
+              </a:rPr>
+              <a:t>vacio</a:t>
+            </a:r>
+            <a:endParaRPr lang="es-ES" sz="2400" b="0" cap="none" spc="0" dirty="0">
+              <a:ln w="0"/>
+              <a:solidFill>
+                <a:schemeClr val="tx1"/>
+              </a:solidFill>
+              <a:effectLst>
+                <a:outerShdw blurRad="38100" dist="19050" dir="2700000" algn="tl" rotWithShape="0">
+                  <a:schemeClr val="dk1">
+                    <a:alpha val="40000"/>
+                  </a:schemeClr>
+                </a:outerShdw>
+              </a:effectLst>
+            </a:endParaRPr>
+          </a:p>
+        </p:txBody>
+      </p:sp>
+    </p:spTree>
+    <p:extLst>
+      <p:ext uri="{BB962C8B-B14F-4D97-AF65-F5344CB8AC3E}">
+        <p14:creationId xmlns:p14="http://schemas.microsoft.com/office/powerpoint/2010/main" val="856789745"/>
+      </p:ext>
+    </p:extLst>
+  </p:cSld>
+  <p:clrMapOvr>
+    <a:masterClrMapping/>
+  </p:clrMapOvr>
+</p:sld>
+</file>
+
+<file path=ppt/slides/slide12.xml><?xml version="1.0" encoding="utf-8"?>
+<p:sld xmlns:a="http://schemas.openxmlformats.org/drawingml/2006/main" xmlns:r="http://schemas.openxmlformats.org/officeDocument/2006/relationships" xmlns:p="http://schemas.openxmlformats.org/presentationml/2006/main">
+  <p:cSld>
+    <p:spTree>
+      <p:nvGrpSpPr>
+        <p:cNvPr id="1" name=""/>
+        <p:cNvGrpSpPr/>
+        <p:nvPr/>
+      </p:nvGrpSpPr>
+      <p:grpSpPr>
+        <a:xfrm>
+          <a:off x="0" y="0"/>
+          <a:ext cx="0" cy="0"/>
+          <a:chOff x="0" y="0"/>
+          <a:chExt cx="0" cy="0"/>
+        </a:xfrm>
+      </p:grpSpPr>
+      <p:pic>
+        <p:nvPicPr>
+          <p:cNvPr id="2" name="Imagen 1">
+            <a:extLst>
+              <a:ext uri="{FF2B5EF4-FFF2-40B4-BE49-F238E27FC236}">
+                <a16:creationId xmlns:a16="http://schemas.microsoft.com/office/drawing/2014/main" id="{5B8535D2-E083-27DB-EF53-06CA6B6CDD59}"/>
+              </a:ext>
+            </a:extLst>
+          </p:cNvPr>
+          <p:cNvPicPr>
+            <a:picLocks noChangeAspect="1"/>
+          </p:cNvPicPr>
+          <p:nvPr/>
+        </p:nvPicPr>
+        <p:blipFill>
+          <a:blip r:embed="rId2"/>
+          <a:stretch>
+            <a:fillRect/>
+          </a:stretch>
+        </p:blipFill>
+        <p:spPr>
+          <a:xfrm>
+            <a:off x="5058747" y="1112982"/>
+            <a:ext cx="2285125" cy="4493491"/>
+          </a:xfrm>
+          <a:prstGeom prst="rect">
+            <a:avLst/>
+          </a:prstGeom>
+        </p:spPr>
+      </p:pic>
+      <p:pic>
+        <p:nvPicPr>
+          <p:cNvPr id="4" name="Imagen 3">
+            <a:extLst>
+              <a:ext uri="{FF2B5EF4-FFF2-40B4-BE49-F238E27FC236}">
+                <a16:creationId xmlns:a16="http://schemas.microsoft.com/office/drawing/2014/main" id="{FA23B7DC-D360-AE00-44C5-4A9D6C13F0A0}"/>
+              </a:ext>
+            </a:extLst>
+          </p:cNvPr>
+          <p:cNvPicPr>
+            <a:picLocks noChangeAspect="1"/>
+          </p:cNvPicPr>
+          <p:nvPr/>
+        </p:nvPicPr>
+        <p:blipFill>
+          <a:blip r:embed="rId3"/>
+          <a:stretch>
+            <a:fillRect/>
+          </a:stretch>
+        </p:blipFill>
+        <p:spPr>
+          <a:xfrm>
+            <a:off x="1873409" y="1112982"/>
+            <a:ext cx="2285125" cy="4570250"/>
+          </a:xfrm>
+          <a:prstGeom prst="rect">
+            <a:avLst/>
+          </a:prstGeom>
+        </p:spPr>
+      </p:pic>
+      <p:pic>
+        <p:nvPicPr>
+          <p:cNvPr id="5" name="Imagen 4">
+            <a:extLst>
+              <a:ext uri="{FF2B5EF4-FFF2-40B4-BE49-F238E27FC236}">
+                <a16:creationId xmlns:a16="http://schemas.microsoft.com/office/drawing/2014/main" id="{8924C80A-55D9-9A88-366E-0B622665471B}"/>
+              </a:ext>
+            </a:extLst>
+          </p:cNvPr>
+          <p:cNvPicPr>
+            <a:picLocks noChangeAspect="1"/>
+          </p:cNvPicPr>
+          <p:nvPr/>
+        </p:nvPicPr>
+        <p:blipFill>
+          <a:blip r:embed="rId4"/>
+          <a:stretch>
+            <a:fillRect/>
+          </a:stretch>
+        </p:blipFill>
+        <p:spPr>
+          <a:xfrm>
+            <a:off x="8244086" y="1136071"/>
+            <a:ext cx="2320962" cy="4428305"/>
+          </a:xfrm>
+          <a:prstGeom prst="rect">
+            <a:avLst/>
+          </a:prstGeom>
+        </p:spPr>
+      </p:pic>
+      <p:sp>
+        <p:nvSpPr>
+          <p:cNvPr id="6" name="Rectángulo 5">
+            <a:extLst>
+              <a:ext uri="{FF2B5EF4-FFF2-40B4-BE49-F238E27FC236}">
+                <a16:creationId xmlns:a16="http://schemas.microsoft.com/office/drawing/2014/main" id="{7955B3C8-F1B7-48DD-D7E9-51F3AEDD2A66}"/>
+              </a:ext>
+            </a:extLst>
+          </p:cNvPr>
+          <p:cNvSpPr/>
+          <p:nvPr/>
+        </p:nvSpPr>
+        <p:spPr>
+          <a:xfrm>
+            <a:off x="1621612" y="5735329"/>
+            <a:ext cx="2832828" cy="461665"/>
+          </a:xfrm>
+          <a:prstGeom prst="rect">
+            <a:avLst/>
+          </a:prstGeom>
+          <a:noFill/>
+        </p:spPr>
+        <p:txBody>
+          <a:bodyPr wrap="none" lIns="91440" tIns="45720" rIns="91440" bIns="45720">
+            <a:spAutoFit/>
+          </a:bodyPr>
+          <a:lstStyle/>
+          <a:p>
+            <a:pPr algn="ctr"/>
+            <a:r>
+              <a:rPr lang="es-ES" sz="2400" dirty="0">
+                <a:ln w="0"/>
+                <a:effectLst>
+                  <a:outerShdw blurRad="38100" dist="19050" dir="2700000" algn="tl" rotWithShape="0">
+                    <a:schemeClr val="dk1">
+                      <a:alpha val="40000"/>
+                    </a:schemeClr>
+                  </a:outerShdw>
+                </a:effectLst>
+              </a:rPr>
+              <a:t>Selección de producto</a:t>
+            </a:r>
+            <a:endParaRPr lang="es-ES" sz="2400" b="0" cap="none" spc="0" dirty="0">
+              <a:ln w="0"/>
+              <a:solidFill>
+                <a:schemeClr val="tx1"/>
+              </a:solidFill>
+              <a:effectLst>
+                <a:outerShdw blurRad="38100" dist="19050" dir="2700000" algn="tl" rotWithShape="0">
+                  <a:schemeClr val="dk1">
+                    <a:alpha val="40000"/>
+                  </a:schemeClr>
+                </a:outerShdw>
+              </a:effectLst>
+            </a:endParaRPr>
+          </a:p>
+        </p:txBody>
+      </p:sp>
+      <p:sp>
+        <p:nvSpPr>
+          <p:cNvPr id="7" name="Rectángulo 6">
+            <a:extLst>
+              <a:ext uri="{FF2B5EF4-FFF2-40B4-BE49-F238E27FC236}">
+                <a16:creationId xmlns:a16="http://schemas.microsoft.com/office/drawing/2014/main" id="{97F56D6F-5CFD-B771-AD7E-455FC88C6978}"/>
+              </a:ext>
+            </a:extLst>
+          </p:cNvPr>
+          <p:cNvSpPr/>
+          <p:nvPr/>
+        </p:nvSpPr>
+        <p:spPr>
+          <a:xfrm>
+            <a:off x="4850470" y="5683232"/>
+            <a:ext cx="2491068" cy="461665"/>
+          </a:xfrm>
+          <a:prstGeom prst="rect">
+            <a:avLst/>
+          </a:prstGeom>
+          <a:noFill/>
+        </p:spPr>
+        <p:txBody>
+          <a:bodyPr wrap="none" lIns="91440" tIns="45720" rIns="91440" bIns="45720">
+            <a:spAutoFit/>
+          </a:bodyPr>
+          <a:lstStyle/>
+          <a:p>
+            <a:pPr algn="ctr"/>
+            <a:r>
+              <a:rPr lang="es-ES" sz="2400" dirty="0">
+                <a:ln w="0"/>
+                <a:effectLst>
+                  <a:outerShdw blurRad="38100" dist="19050" dir="2700000" algn="tl" rotWithShape="0">
+                    <a:schemeClr val="dk1">
+                      <a:alpha val="40000"/>
+                    </a:schemeClr>
+                  </a:outerShdw>
+                </a:effectLst>
+              </a:rPr>
+              <a:t>Carrito de compras</a:t>
+            </a:r>
+            <a:endParaRPr lang="es-ES" sz="2400" b="0" cap="none" spc="0" dirty="0">
+              <a:ln w="0"/>
+              <a:solidFill>
+                <a:schemeClr val="tx1"/>
+              </a:solidFill>
+              <a:effectLst>
+                <a:outerShdw blurRad="38100" dist="19050" dir="2700000" algn="tl" rotWithShape="0">
+                  <a:schemeClr val="dk1">
+                    <a:alpha val="40000"/>
+                  </a:schemeClr>
+                </a:outerShdw>
+              </a:effectLst>
+            </a:endParaRPr>
+          </a:p>
+        </p:txBody>
+      </p:sp>
+      <p:sp>
+        <p:nvSpPr>
+          <p:cNvPr id="8" name="Rectángulo 7">
+            <a:extLst>
+              <a:ext uri="{FF2B5EF4-FFF2-40B4-BE49-F238E27FC236}">
+                <a16:creationId xmlns:a16="http://schemas.microsoft.com/office/drawing/2014/main" id="{CE3BA40E-B98F-B9BA-997D-BF9CADA4525C}"/>
+              </a:ext>
+            </a:extLst>
+          </p:cNvPr>
+          <p:cNvSpPr/>
+          <p:nvPr/>
+        </p:nvSpPr>
+        <p:spPr>
+          <a:xfrm>
+            <a:off x="8190939" y="5683231"/>
+            <a:ext cx="2257157" cy="461665"/>
+          </a:xfrm>
+          <a:prstGeom prst="rect">
+            <a:avLst/>
+          </a:prstGeom>
+          <a:noFill/>
+        </p:spPr>
+        <p:txBody>
+          <a:bodyPr wrap="none" lIns="91440" tIns="45720" rIns="91440" bIns="45720">
+            <a:spAutoFit/>
+          </a:bodyPr>
+          <a:lstStyle/>
+          <a:p>
+            <a:pPr algn="ctr"/>
+            <a:r>
+              <a:rPr lang="es-ES" sz="2400" dirty="0">
+                <a:ln w="0"/>
+                <a:effectLst>
+                  <a:outerShdw blurRad="38100" dist="19050" dir="2700000" algn="tl" rotWithShape="0">
+                    <a:schemeClr val="dk1">
+                      <a:alpha val="40000"/>
+                    </a:schemeClr>
+                  </a:outerShdw>
+                </a:effectLst>
+              </a:rPr>
+              <a:t>Pago completado</a:t>
+            </a:r>
+            <a:endParaRPr lang="es-ES" sz="2400" b="0" cap="none" spc="0" dirty="0">
+              <a:ln w="0"/>
+              <a:solidFill>
+                <a:schemeClr val="tx1"/>
+              </a:solidFill>
+              <a:effectLst>
+                <a:outerShdw blurRad="38100" dist="19050" dir="2700000" algn="tl" rotWithShape="0">
+                  <a:schemeClr val="dk1">
+                    <a:alpha val="40000"/>
+                  </a:schemeClr>
+                </a:outerShdw>
+              </a:effectLst>
+            </a:endParaRPr>
+          </a:p>
+        </p:txBody>
+      </p:sp>
+    </p:spTree>
+    <p:extLst>
+      <p:ext uri="{BB962C8B-B14F-4D97-AF65-F5344CB8AC3E}">
+        <p14:creationId xmlns:p14="http://schemas.microsoft.com/office/powerpoint/2010/main" val="3129851030"/>
       </p:ext>
     </p:extLst>
   </p:cSld>
@@ -7107,866 +7832,6 @@
 </file>
 
 <file path=ppt/slides/slide5.xml><?xml version="1.0" encoding="utf-8"?>
-<p:sld xmlns:a="http://schemas.openxmlformats.org/drawingml/2006/main" xmlns:r="http://schemas.openxmlformats.org/officeDocument/2006/relationships" xmlns:p="http://schemas.openxmlformats.org/presentationml/2006/main">
-  <p:cSld>
-    <p:bg>
-      <p:bgPr>
-        <a:blipFill>
-          <a:blip r:embed="rId2"/>
-          <a:stretch/>
-        </a:blipFill>
-        <a:effectLst/>
-      </p:bgPr>
-    </p:bg>
-    <p:spTree>
-      <p:nvGrpSpPr>
-        <p:cNvPr id="1" name=""/>
-        <p:cNvGrpSpPr/>
-        <p:nvPr/>
-      </p:nvGrpSpPr>
-      <p:grpSpPr>
-        <a:xfrm>
-          <a:off x="0" y="0"/>
-          <a:ext cx="0" cy="0"/>
-          <a:chOff x="0" y="0"/>
-          <a:chExt cx="0" cy="0"/>
-        </a:xfrm>
-      </p:grpSpPr>
-      <p:grpSp>
-        <p:nvGrpSpPr>
-          <p:cNvPr id="7" name="Group 6">
-            <a:extLst>
-              <a:ext uri="{FF2B5EF4-FFF2-40B4-BE49-F238E27FC236}">
-                <a16:creationId xmlns:a16="http://schemas.microsoft.com/office/drawing/2014/main" id="{7575D7A7-3C36-4508-9BC6-70A93BD3C438}"/>
-              </a:ext>
-              <a:ext uri="{C183D7F6-B498-43B3-948B-1728B52AA6E4}">
-                <adec:decorative xmlns:adec="http://schemas.microsoft.com/office/drawing/2017/decorative" val="1"/>
-              </a:ext>
-            </a:extLst>
-          </p:cNvPr>
-          <p:cNvGrpSpPr>
-            <a:grpSpLocks noGrp="1" noUngrp="1" noRot="1" noChangeAspect="1" noMove="1" noResize="1"/>
-          </p:cNvGrpSpPr>
-          <p:nvPr>
-            <p:extLst>
-              <p:ext uri="{386F3935-93C4-4BCD-93E2-E3B085C9AB24}">
-                <p16:designElem xmlns:p16="http://schemas.microsoft.com/office/powerpoint/2015/main" val="1"/>
-              </p:ext>
-            </p:extLst>
-          </p:nvPr>
-        </p:nvGrpSpPr>
-        <p:grpSpPr>
-          <a:xfrm>
-            <a:off x="-16934" y="0"/>
-            <a:ext cx="12231160" cy="6856214"/>
-            <a:chOff x="-16934" y="0"/>
-            <a:chExt cx="12231160" cy="6856214"/>
-          </a:xfrm>
-        </p:grpSpPr>
-        <p:pic>
-          <p:nvPicPr>
-            <p:cNvPr id="8" name="Picture 7">
-              <a:extLst>
-                <a:ext uri="{FF2B5EF4-FFF2-40B4-BE49-F238E27FC236}">
-                  <a16:creationId xmlns:a16="http://schemas.microsoft.com/office/drawing/2014/main" id="{BC964A0D-06B7-4C16-AC9F-20ADDA8059EB}"/>
-                </a:ext>
-                <a:ext uri="{C183D7F6-B498-43B3-948B-1728B52AA6E4}">
-                  <adec:decorative xmlns:adec="http://schemas.microsoft.com/office/drawing/2017/decorative" val="1"/>
-                </a:ext>
-              </a:extLst>
-            </p:cNvPr>
-            <p:cNvPicPr>
-              <a:picLocks noChangeAspect="1"/>
-            </p:cNvPicPr>
-            <p:nvPr>
-              <p:extLst>
-                <p:ext uri="{386F3935-93C4-4BCD-93E2-E3B085C9AB24}">
-                  <p16:designElem xmlns:p16="http://schemas.microsoft.com/office/powerpoint/2015/main" val="1"/>
-                </p:ext>
-              </p:extLst>
-            </p:nvPr>
-          </p:nvPicPr>
-          <p:blipFill>
-            <a:blip r:embed="rId3">
-              <a:extLst>
-                <a:ext uri="{28A0092B-C50C-407E-A947-70E740481C1C}">
-                  <a14:useLocalDpi xmlns:a14="http://schemas.microsoft.com/office/drawing/2010/main" val="0"/>
-                </a:ext>
-              </a:extLst>
-            </a:blip>
-            <a:stretch>
-              <a:fillRect/>
-            </a:stretch>
-          </p:blipFill>
-          <p:spPr>
-            <a:xfrm>
-              <a:off x="0" y="0"/>
-              <a:ext cx="12188825" cy="6856214"/>
-            </a:xfrm>
-            <a:prstGeom prst="rect">
-              <a:avLst/>
-            </a:prstGeom>
-          </p:spPr>
-        </p:pic>
-        <p:sp>
-          <p:nvSpPr>
-            <p:cNvPr id="9" name="Rectangle 8">
-              <a:extLst>
-                <a:ext uri="{FF2B5EF4-FFF2-40B4-BE49-F238E27FC236}">
-                  <a16:creationId xmlns:a16="http://schemas.microsoft.com/office/drawing/2014/main" id="{F5703F5C-55DF-45CD-BC3F-3BE8F10339EE}"/>
-                </a:ext>
-                <a:ext uri="{C183D7F6-B498-43B3-948B-1728B52AA6E4}">
-                  <adec:decorative xmlns:adec="http://schemas.microsoft.com/office/drawing/2017/decorative" val="1"/>
-                </a:ext>
-              </a:extLst>
-            </p:cNvPr>
-            <p:cNvSpPr/>
-            <p:nvPr>
-              <p:extLst>
-                <p:ext uri="{386F3935-93C4-4BCD-93E2-E3B085C9AB24}">
-                  <p16:designElem xmlns:p16="http://schemas.microsoft.com/office/powerpoint/2015/main" val="1"/>
-                </p:ext>
-              </p:extLst>
-            </p:nvPr>
-          </p:nvSpPr>
-          <p:spPr>
-            <a:xfrm>
-              <a:off x="2328332" y="1540931"/>
-              <a:ext cx="7543802" cy="3835401"/>
-            </a:xfrm>
-            <a:prstGeom prst="rect">
-              <a:avLst/>
-            </a:prstGeom>
-            <a:noFill/>
-            <a:ln w="15875">
-              <a:miter lim="800000"/>
-            </a:ln>
-          </p:spPr>
-          <p:style>
-            <a:lnRef idx="1">
-              <a:schemeClr val="accent1"/>
-            </a:lnRef>
-            <a:fillRef idx="3">
-              <a:schemeClr val="accent1"/>
-            </a:fillRef>
-            <a:effectRef idx="2">
-              <a:schemeClr val="accent1"/>
-            </a:effectRef>
-            <a:fontRef idx="minor">
-              <a:schemeClr val="lt1"/>
-            </a:fontRef>
-          </p:style>
-        </p:sp>
-        <p:pic>
-          <p:nvPicPr>
-            <p:cNvPr id="10" name="Picture 9">
-              <a:extLst>
-                <a:ext uri="{FF2B5EF4-FFF2-40B4-BE49-F238E27FC236}">
-                  <a16:creationId xmlns:a16="http://schemas.microsoft.com/office/drawing/2014/main" id="{A8C7134F-70F9-4826-A97E-9B39AEA08F5B}"/>
-                </a:ext>
-                <a:ext uri="{C183D7F6-B498-43B3-948B-1728B52AA6E4}">
-                  <adec:decorative xmlns:adec="http://schemas.microsoft.com/office/drawing/2017/decorative" val="1"/>
-                </a:ext>
-              </a:extLst>
-            </p:cNvPr>
-            <p:cNvPicPr>
-              <a:picLocks noChangeAspect="1"/>
-            </p:cNvPicPr>
-            <p:nvPr>
-              <p:extLst>
-                <p:ext uri="{386F3935-93C4-4BCD-93E2-E3B085C9AB24}">
-                  <p16:designElem xmlns:p16="http://schemas.microsoft.com/office/powerpoint/2015/main" val="1"/>
-                </p:ext>
-              </p:extLst>
-            </p:nvPr>
-          </p:nvPicPr>
-          <p:blipFill rotWithShape="1">
-            <a:blip r:embed="rId4">
-              <a:extLst>
-                <a:ext uri="{28A0092B-C50C-407E-A947-70E740481C1C}">
-                  <a14:useLocalDpi xmlns:a14="http://schemas.microsoft.com/office/drawing/2010/main" val="0"/>
-                </a:ext>
-              </a:extLst>
-            </a:blip>
-            <a:srcRect/>
-            <a:stretch/>
-          </p:blipFill>
-          <p:spPr>
-            <a:xfrm>
-              <a:off x="-16934" y="3147609"/>
-              <a:ext cx="2478024" cy="612648"/>
-            </a:xfrm>
-            <a:prstGeom prst="rect">
-              <a:avLst/>
-            </a:prstGeom>
-          </p:spPr>
-        </p:pic>
-        <p:pic>
-          <p:nvPicPr>
-            <p:cNvPr id="11" name="Picture 10">
-              <a:extLst>
-                <a:ext uri="{FF2B5EF4-FFF2-40B4-BE49-F238E27FC236}">
-                  <a16:creationId xmlns:a16="http://schemas.microsoft.com/office/drawing/2014/main" id="{39351E73-B6DD-4B56-8EE9-C16B5711C46D}"/>
-                </a:ext>
-                <a:ext uri="{C183D7F6-B498-43B3-948B-1728B52AA6E4}">
-                  <adec:decorative xmlns:adec="http://schemas.microsoft.com/office/drawing/2017/decorative" val="1"/>
-                </a:ext>
-              </a:extLst>
-            </p:cNvPr>
-            <p:cNvPicPr>
-              <a:picLocks noChangeAspect="1"/>
-            </p:cNvPicPr>
-            <p:nvPr>
-              <p:extLst>
-                <p:ext uri="{386F3935-93C4-4BCD-93E2-E3B085C9AB24}">
-                  <p16:designElem xmlns:p16="http://schemas.microsoft.com/office/powerpoint/2015/main" val="1"/>
-                </p:ext>
-              </p:extLst>
-            </p:nvPr>
-          </p:nvPicPr>
-          <p:blipFill rotWithShape="1">
-            <a:blip r:embed="rId4">
-              <a:extLst>
-                <a:ext uri="{28A0092B-C50C-407E-A947-70E740481C1C}">
-                  <a14:useLocalDpi xmlns:a14="http://schemas.microsoft.com/office/drawing/2010/main" val="0"/>
-                </a:ext>
-              </a:extLst>
-            </a:blip>
-            <a:srcRect/>
-            <a:stretch/>
-          </p:blipFill>
-          <p:spPr>
-            <a:xfrm>
-              <a:off x="9736202" y="3147609"/>
-              <a:ext cx="2478024" cy="612648"/>
-            </a:xfrm>
-            <a:prstGeom prst="rect">
-              <a:avLst/>
-            </a:prstGeom>
-          </p:spPr>
-        </p:pic>
-      </p:grpSp>
-      <p:cxnSp>
-        <p:nvCxnSpPr>
-          <p:cNvPr id="13" name="Straight Connector 12">
-            <a:extLst>
-              <a:ext uri="{FF2B5EF4-FFF2-40B4-BE49-F238E27FC236}">
-                <a16:creationId xmlns:a16="http://schemas.microsoft.com/office/drawing/2014/main" id="{AE446D0E-6531-40B7-A182-FB8602439777}"/>
-              </a:ext>
-              <a:ext uri="{C183D7F6-B498-43B3-948B-1728B52AA6E4}">
-                <adec:decorative xmlns:adec="http://schemas.microsoft.com/office/drawing/2017/decorative" val="1"/>
-              </a:ext>
-            </a:extLst>
-          </p:cNvPr>
-          <p:cNvCxnSpPr>
-            <a:cxnSpLocks noGrp="1" noRot="1" noChangeAspect="1" noMove="1" noResize="1" noEditPoints="1" noAdjustHandles="1" noChangeArrowheads="1" noChangeShapeType="1"/>
-          </p:cNvCxnSpPr>
-          <p:nvPr>
-            <p:extLst>
-              <p:ext uri="{386F3935-93C4-4BCD-93E2-E3B085C9AB24}">
-                <p16:designElem xmlns:p16="http://schemas.microsoft.com/office/powerpoint/2015/main" val="1"/>
-              </p:ext>
-            </p:extLst>
-          </p:nvPr>
-        </p:nvCxnSpPr>
-        <p:spPr>
-          <a:xfrm>
-            <a:off x="2692399" y="3522131"/>
-            <a:ext cx="6815668" cy="0"/>
-          </a:xfrm>
-          <a:prstGeom prst="line">
-            <a:avLst/>
-          </a:prstGeom>
-        </p:spPr>
-        <p:style>
-          <a:lnRef idx="2">
-            <a:schemeClr val="accent1"/>
-          </a:lnRef>
-          <a:fillRef idx="0">
-            <a:schemeClr val="accent1"/>
-          </a:fillRef>
-          <a:effectRef idx="1">
-            <a:schemeClr val="accent1"/>
-          </a:effectRef>
-          <a:fontRef idx="minor">
-            <a:schemeClr val="tx1"/>
-          </a:fontRef>
-        </p:style>
-      </p:cxnSp>
-      <p:sp useBgFill="1">
-        <p:nvSpPr>
-          <p:cNvPr id="15" name="Rectangle 14">
-            <a:extLst>
-              <a:ext uri="{FF2B5EF4-FFF2-40B4-BE49-F238E27FC236}">
-                <a16:creationId xmlns:a16="http://schemas.microsoft.com/office/drawing/2014/main" id="{22C7FDF9-C2A1-45C5-A49B-8B1CA2A3C05B}"/>
-              </a:ext>
-              <a:ext uri="{C183D7F6-B498-43B3-948B-1728B52AA6E4}">
-                <adec:decorative xmlns:adec="http://schemas.microsoft.com/office/drawing/2017/decorative" val="1"/>
-              </a:ext>
-            </a:extLst>
-          </p:cNvPr>
-          <p:cNvSpPr>
-            <a:spLocks noGrp="1" noRot="1" noChangeAspect="1" noMove="1" noResize="1" noEditPoints="1" noAdjustHandles="1" noChangeArrowheads="1" noChangeShapeType="1" noTextEdit="1"/>
-          </p:cNvSpPr>
-          <p:nvPr>
-            <p:extLst>
-              <p:ext uri="{386F3935-93C4-4BCD-93E2-E3B085C9AB24}">
-                <p16:designElem xmlns:p16="http://schemas.microsoft.com/office/powerpoint/2015/main" val="1"/>
-              </p:ext>
-            </p:extLst>
-          </p:nvPr>
-        </p:nvSpPr>
-        <p:spPr>
-          <a:xfrm>
-            <a:off x="0" y="0"/>
-            <a:ext cx="12192000" cy="6858000"/>
-          </a:xfrm>
-          <a:prstGeom prst="rect">
-            <a:avLst/>
-          </a:prstGeom>
-          <a:blipFill>
-            <a:blip r:embed="rId5"/>
-            <a:stretch/>
-          </a:blipFill>
-          <a:ln w="15875" cap="flat" cmpd="sng" algn="ctr">
-            <a:solidFill>
-              <a:srgbClr val="AB946B">
-                <a:shade val="50000"/>
-              </a:srgbClr>
-            </a:solidFill>
-            <a:prstDash val="solid"/>
-          </a:ln>
-          <a:effectLst/>
-        </p:spPr>
-        <p:txBody>
-          <a:bodyPr rtlCol="0" anchor="ctr"/>
-          <a:lstStyle/>
-          <a:p>
-            <a:pPr marL="0" marR="0" lvl="0" indent="0" algn="ctr" defTabSz="914400" eaLnBrk="1" fontAlgn="auto" latinLnBrk="0" hangingPunct="1">
-              <a:lnSpc>
-                <a:spcPct val="100000"/>
-              </a:lnSpc>
-              <a:spcBef>
-                <a:spcPts val="0"/>
-              </a:spcBef>
-              <a:spcAft>
-                <a:spcPts val="0"/>
-              </a:spcAft>
-              <a:buClrTx/>
-              <a:buSzTx/>
-              <a:buFontTx/>
-              <a:buNone/>
-              <a:tabLst/>
-              <a:defRPr/>
-            </a:pPr>
-            <a:endParaRPr kumimoji="0" lang="en-US" sz="1800" b="0" i="0" u="none" strike="noStrike" kern="0" cap="none" spc="0" normalizeH="0" baseline="0" noProof="0">
-              <a:ln>
-                <a:noFill/>
-              </a:ln>
-              <a:solidFill>
-                <a:prstClr val="white"/>
-              </a:solidFill>
-              <a:effectLst/>
-              <a:uLnTx/>
-              <a:uFillTx/>
-              <a:latin typeface="Garamond" panose="02020404030301010803"/>
-              <a:ea typeface="+mn-ea"/>
-              <a:cs typeface="+mn-cs"/>
-            </a:endParaRPr>
-          </a:p>
-        </p:txBody>
-      </p:sp>
-      <p:pic>
-        <p:nvPicPr>
-          <p:cNvPr id="17" name="Picture 16">
-            <a:extLst>
-              <a:ext uri="{FF2B5EF4-FFF2-40B4-BE49-F238E27FC236}">
-                <a16:creationId xmlns:a16="http://schemas.microsoft.com/office/drawing/2014/main" id="{8D8988FF-4B5F-49A9-BB7F-B49C1610F1B4}"/>
-              </a:ext>
-              <a:ext uri="{C183D7F6-B498-43B3-948B-1728B52AA6E4}">
-                <adec:decorative xmlns:adec="http://schemas.microsoft.com/office/drawing/2017/decorative" val="1"/>
-              </a:ext>
-            </a:extLst>
-          </p:cNvPr>
-          <p:cNvPicPr>
-            <a:picLocks noGrp="1" noRot="1" noChangeAspect="1" noMove="1" noResize="1" noEditPoints="1" noAdjustHandles="1" noChangeArrowheads="1" noChangeShapeType="1" noCrop="1"/>
-          </p:cNvPicPr>
-          <p:nvPr>
-            <p:extLst>
-              <p:ext uri="{386F3935-93C4-4BCD-93E2-E3B085C9AB24}">
-                <p16:designElem xmlns:p16="http://schemas.microsoft.com/office/powerpoint/2015/main" val="1"/>
-              </p:ext>
-            </p:extLst>
-          </p:nvPr>
-        </p:nvPicPr>
-        <p:blipFill>
-          <a:blip r:embed="rId6">
-            <a:extLst>
-              <a:ext uri="{28A0092B-C50C-407E-A947-70E740481C1C}">
-                <a14:useLocalDpi xmlns:a14="http://schemas.microsoft.com/office/drawing/2010/main" val="0"/>
-              </a:ext>
-            </a:extLst>
-          </a:blip>
-          <a:stretch>
-            <a:fillRect/>
-          </a:stretch>
-        </p:blipFill>
-        <p:spPr>
-          <a:xfrm>
-            <a:off x="0" y="0"/>
-            <a:ext cx="12188825" cy="6856214"/>
-          </a:xfrm>
-          <a:prstGeom prst="rect">
-            <a:avLst/>
-          </a:prstGeom>
-        </p:spPr>
-      </p:pic>
-      <p:sp>
-        <p:nvSpPr>
-          <p:cNvPr id="2" name="Título 1">
-            <a:extLst>
-              <a:ext uri="{FF2B5EF4-FFF2-40B4-BE49-F238E27FC236}">
-                <a16:creationId xmlns:a16="http://schemas.microsoft.com/office/drawing/2014/main" id="{4C2A0096-BBC3-B396-5196-49A8CABD5D57}"/>
-              </a:ext>
-            </a:extLst>
-          </p:cNvPr>
-          <p:cNvSpPr>
-            <a:spLocks noGrp="1"/>
-          </p:cNvSpPr>
-          <p:nvPr>
-            <p:ph type="title"/>
-          </p:nvPr>
-        </p:nvSpPr>
-        <p:spPr>
-          <a:xfrm>
-            <a:off x="2692398" y="1871131"/>
-            <a:ext cx="6815669" cy="1515533"/>
-          </a:xfrm>
-        </p:spPr>
-        <p:txBody>
-          <a:bodyPr vert="horz" lIns="91440" tIns="45720" rIns="91440" bIns="45720" rtlCol="0" anchor="b">
-            <a:normAutofit/>
-          </a:bodyPr>
-          <a:lstStyle/>
-          <a:p>
-            <a:r>
-              <a:rPr lang="es-PE" sz="5000" dirty="0"/>
-              <a:t>Evidencias</a:t>
-            </a:r>
-            <a:r>
-              <a:rPr lang="en-US" sz="5000" dirty="0"/>
-              <a:t> del </a:t>
-            </a:r>
-            <a:r>
-              <a:rPr lang="es-PE" sz="5000" dirty="0"/>
-              <a:t>repositorio</a:t>
-            </a:r>
-          </a:p>
-        </p:txBody>
-      </p:sp>
-      <p:cxnSp>
-        <p:nvCxnSpPr>
-          <p:cNvPr id="19" name="Straight Connector 18">
-            <a:extLst>
-              <a:ext uri="{FF2B5EF4-FFF2-40B4-BE49-F238E27FC236}">
-                <a16:creationId xmlns:a16="http://schemas.microsoft.com/office/drawing/2014/main" id="{CE580401-353D-4D90-9CA7-316BFD718E5C}"/>
-              </a:ext>
-              <a:ext uri="{C183D7F6-B498-43B3-948B-1728B52AA6E4}">
-                <adec:decorative xmlns:adec="http://schemas.microsoft.com/office/drawing/2017/decorative" val="1"/>
-              </a:ext>
-            </a:extLst>
-          </p:cNvPr>
-          <p:cNvCxnSpPr>
-            <a:cxnSpLocks noGrp="1" noRot="1" noChangeAspect="1" noMove="1" noResize="1" noEditPoints="1" noAdjustHandles="1" noChangeArrowheads="1" noChangeShapeType="1"/>
-          </p:cNvCxnSpPr>
-          <p:nvPr>
-            <p:extLst>
-              <p:ext uri="{386F3935-93C4-4BCD-93E2-E3B085C9AB24}">
-                <p16:designElem xmlns:p16="http://schemas.microsoft.com/office/powerpoint/2015/main" val="1"/>
-              </p:ext>
-            </p:extLst>
-          </p:nvPr>
-        </p:nvCxnSpPr>
-        <p:spPr>
-          <a:xfrm>
-            <a:off x="2692399" y="3522131"/>
-            <a:ext cx="6815668" cy="0"/>
-          </a:xfrm>
-          <a:prstGeom prst="line">
-            <a:avLst/>
-          </a:prstGeom>
-        </p:spPr>
-        <p:style>
-          <a:lnRef idx="2">
-            <a:schemeClr val="accent1"/>
-          </a:lnRef>
-          <a:fillRef idx="0">
-            <a:schemeClr val="accent1"/>
-          </a:fillRef>
-          <a:effectRef idx="1">
-            <a:schemeClr val="accent1"/>
-          </a:effectRef>
-          <a:fontRef idx="minor">
-            <a:schemeClr val="tx1"/>
-          </a:fontRef>
-        </p:style>
-      </p:cxnSp>
-    </p:spTree>
-    <p:extLst>
-      <p:ext uri="{BB962C8B-B14F-4D97-AF65-F5344CB8AC3E}">
-        <p14:creationId xmlns:p14="http://schemas.microsoft.com/office/powerpoint/2010/main" val="1376484957"/>
-      </p:ext>
-    </p:extLst>
-  </p:cSld>
-  <p:clrMapOvr>
-    <a:masterClrMapping/>
-  </p:clrMapOvr>
-</p:sld>
-</file>
-
-<file path=ppt/slides/slide6.xml><?xml version="1.0" encoding="utf-8"?>
-<p:sld xmlns:a="http://schemas.openxmlformats.org/drawingml/2006/main" xmlns:r="http://schemas.openxmlformats.org/officeDocument/2006/relationships" xmlns:p="http://schemas.openxmlformats.org/presentationml/2006/main">
-  <p:cSld>
-    <p:spTree>
-      <p:nvGrpSpPr>
-        <p:cNvPr id="1" name=""/>
-        <p:cNvGrpSpPr/>
-        <p:nvPr/>
-      </p:nvGrpSpPr>
-      <p:grpSpPr>
-        <a:xfrm>
-          <a:off x="0" y="0"/>
-          <a:ext cx="0" cy="0"/>
-          <a:chOff x="0" y="0"/>
-          <a:chExt cx="0" cy="0"/>
-        </a:xfrm>
-      </p:grpSpPr>
-      <p:pic>
-        <p:nvPicPr>
-          <p:cNvPr id="3" name="Imagen 2" descr="Interfaz de usuario gráfica, Texto, Aplicación&#10;&#10;Descripción generada automáticamente">
-            <a:extLst>
-              <a:ext uri="{FF2B5EF4-FFF2-40B4-BE49-F238E27FC236}">
-                <a16:creationId xmlns:a16="http://schemas.microsoft.com/office/drawing/2014/main" id="{0E879842-324F-0B11-0457-757D3A128697}"/>
-              </a:ext>
-            </a:extLst>
-          </p:cNvPr>
-          <p:cNvPicPr>
-            <a:picLocks noChangeAspect="1"/>
-          </p:cNvPicPr>
-          <p:nvPr/>
-        </p:nvPicPr>
-        <p:blipFill>
-          <a:blip r:embed="rId2">
-            <a:extLst>
-              <a:ext uri="{28A0092B-C50C-407E-A947-70E740481C1C}">
-                <a14:useLocalDpi xmlns:a14="http://schemas.microsoft.com/office/drawing/2010/main" val="0"/>
-              </a:ext>
-            </a:extLst>
-          </a:blip>
-          <a:stretch>
-            <a:fillRect/>
-          </a:stretch>
-        </p:blipFill>
-        <p:spPr>
-          <a:xfrm>
-            <a:off x="1108363" y="969384"/>
-            <a:ext cx="9975273" cy="4543425"/>
-          </a:xfrm>
-          <a:prstGeom prst="rect">
-            <a:avLst/>
-          </a:prstGeom>
-        </p:spPr>
-      </p:pic>
-      <p:sp>
-        <p:nvSpPr>
-          <p:cNvPr id="4" name="Rectángulo 3">
-            <a:extLst>
-              <a:ext uri="{FF2B5EF4-FFF2-40B4-BE49-F238E27FC236}">
-                <a16:creationId xmlns:a16="http://schemas.microsoft.com/office/drawing/2014/main" id="{7556E01E-E2AD-6765-CD20-1C3F9CEA6429}"/>
-              </a:ext>
-            </a:extLst>
-          </p:cNvPr>
-          <p:cNvSpPr/>
-          <p:nvPr/>
-        </p:nvSpPr>
-        <p:spPr>
-          <a:xfrm>
-            <a:off x="10041114" y="5657783"/>
-            <a:ext cx="891461" cy="461665"/>
-          </a:xfrm>
-          <a:prstGeom prst="rect">
-            <a:avLst/>
-          </a:prstGeom>
-          <a:noFill/>
-        </p:spPr>
-        <p:txBody>
-          <a:bodyPr wrap="none" lIns="91440" tIns="45720" rIns="91440" bIns="45720">
-            <a:spAutoFit/>
-          </a:bodyPr>
-          <a:lstStyle/>
-          <a:p>
-            <a:pPr algn="ctr"/>
-            <a:r>
-              <a:rPr lang="es-ES" sz="2400" b="0" cap="none" spc="0" dirty="0">
-                <a:ln w="0"/>
-                <a:solidFill>
-                  <a:schemeClr val="tx1"/>
-                </a:solidFill>
-                <a:effectLst>
-                  <a:outerShdw blurRad="38100" dist="19050" dir="2700000" algn="tl" rotWithShape="0">
-                    <a:schemeClr val="dk1">
-                      <a:alpha val="40000"/>
-                    </a:schemeClr>
-                  </a:outerShdw>
-                </a:effectLst>
-              </a:rPr>
-              <a:t>Angel</a:t>
-            </a:r>
-          </a:p>
-        </p:txBody>
-      </p:sp>
-    </p:spTree>
-    <p:extLst>
-      <p:ext uri="{BB962C8B-B14F-4D97-AF65-F5344CB8AC3E}">
-        <p14:creationId xmlns:p14="http://schemas.microsoft.com/office/powerpoint/2010/main" val="458717184"/>
-      </p:ext>
-    </p:extLst>
-  </p:cSld>
-  <p:clrMapOvr>
-    <a:masterClrMapping/>
-  </p:clrMapOvr>
-</p:sld>
-</file>
-
-<file path=ppt/slides/slide7.xml><?xml version="1.0" encoding="utf-8"?>
-<p:sld xmlns:a="http://schemas.openxmlformats.org/drawingml/2006/main" xmlns:r="http://schemas.openxmlformats.org/officeDocument/2006/relationships" xmlns:p="http://schemas.openxmlformats.org/presentationml/2006/main">
-  <p:cSld>
-    <p:spTree>
-      <p:nvGrpSpPr>
-        <p:cNvPr id="1" name=""/>
-        <p:cNvGrpSpPr/>
-        <p:nvPr/>
-      </p:nvGrpSpPr>
-      <p:grpSpPr>
-        <a:xfrm>
-          <a:off x="0" y="0"/>
-          <a:ext cx="0" cy="0"/>
-          <a:chOff x="0" y="0"/>
-          <a:chExt cx="0" cy="0"/>
-        </a:xfrm>
-      </p:grpSpPr>
-      <p:pic>
-        <p:nvPicPr>
-          <p:cNvPr id="7" name="Imagen 6" descr="Interfaz de usuario gráfica, Aplicación, Teams&#10;&#10;Descripción generada automáticamente">
-            <a:extLst>
-              <a:ext uri="{FF2B5EF4-FFF2-40B4-BE49-F238E27FC236}">
-                <a16:creationId xmlns:a16="http://schemas.microsoft.com/office/drawing/2014/main" id="{78CEEA2E-545F-DD3B-C1A4-8FF794FF9BE4}"/>
-              </a:ext>
-            </a:extLst>
-          </p:cNvPr>
-          <p:cNvPicPr>
-            <a:picLocks noChangeAspect="1"/>
-          </p:cNvPicPr>
-          <p:nvPr/>
-        </p:nvPicPr>
-        <p:blipFill>
-          <a:blip r:embed="rId2">
-            <a:extLst>
-              <a:ext uri="{28A0092B-C50C-407E-A947-70E740481C1C}">
-                <a14:useLocalDpi xmlns:a14="http://schemas.microsoft.com/office/drawing/2010/main" val="0"/>
-              </a:ext>
-            </a:extLst>
-          </a:blip>
-          <a:stretch>
-            <a:fillRect/>
-          </a:stretch>
-        </p:blipFill>
-        <p:spPr>
-          <a:xfrm>
-            <a:off x="951345" y="1178025"/>
-            <a:ext cx="10371073" cy="4391501"/>
-          </a:xfrm>
-          <a:prstGeom prst="rect">
-            <a:avLst/>
-          </a:prstGeom>
-        </p:spPr>
-      </p:pic>
-      <p:sp>
-        <p:nvSpPr>
-          <p:cNvPr id="8" name="Rectángulo 7">
-            <a:extLst>
-              <a:ext uri="{FF2B5EF4-FFF2-40B4-BE49-F238E27FC236}">
-                <a16:creationId xmlns:a16="http://schemas.microsoft.com/office/drawing/2014/main" id="{8D5C671D-0088-58F3-31DA-22CBDB719AB1}"/>
-              </a:ext>
-            </a:extLst>
-          </p:cNvPr>
-          <p:cNvSpPr/>
-          <p:nvPr/>
-        </p:nvSpPr>
-        <p:spPr>
-          <a:xfrm>
-            <a:off x="10041114" y="5657783"/>
-            <a:ext cx="891461" cy="461665"/>
-          </a:xfrm>
-          <a:prstGeom prst="rect">
-            <a:avLst/>
-          </a:prstGeom>
-          <a:noFill/>
-        </p:spPr>
-        <p:txBody>
-          <a:bodyPr wrap="none" lIns="91440" tIns="45720" rIns="91440" bIns="45720">
-            <a:spAutoFit/>
-          </a:bodyPr>
-          <a:lstStyle/>
-          <a:p>
-            <a:pPr algn="ctr"/>
-            <a:r>
-              <a:rPr lang="es-ES" sz="2400" b="0" cap="none" spc="0" dirty="0">
-                <a:ln w="0"/>
-                <a:solidFill>
-                  <a:schemeClr val="tx1"/>
-                </a:solidFill>
-                <a:effectLst>
-                  <a:outerShdw blurRad="38100" dist="19050" dir="2700000" algn="tl" rotWithShape="0">
-                    <a:schemeClr val="dk1">
-                      <a:alpha val="40000"/>
-                    </a:schemeClr>
-                  </a:outerShdw>
-                </a:effectLst>
-              </a:rPr>
-              <a:t>Angel</a:t>
-            </a:r>
-          </a:p>
-        </p:txBody>
-      </p:sp>
-    </p:spTree>
-    <p:extLst>
-      <p:ext uri="{BB962C8B-B14F-4D97-AF65-F5344CB8AC3E}">
-        <p14:creationId xmlns:p14="http://schemas.microsoft.com/office/powerpoint/2010/main" val="17388837"/>
-      </p:ext>
-    </p:extLst>
-  </p:cSld>
-  <p:clrMapOvr>
-    <a:masterClrMapping/>
-  </p:clrMapOvr>
-</p:sld>
-</file>
-
-<file path=ppt/slides/slide8.xml><?xml version="1.0" encoding="utf-8"?>
-<p:sld xmlns:a="http://schemas.openxmlformats.org/drawingml/2006/main" xmlns:r="http://schemas.openxmlformats.org/officeDocument/2006/relationships" xmlns:p="http://schemas.openxmlformats.org/presentationml/2006/main">
-  <p:cSld>
-    <p:spTree>
-      <p:nvGrpSpPr>
-        <p:cNvPr id="1" name=""/>
-        <p:cNvGrpSpPr/>
-        <p:nvPr/>
-      </p:nvGrpSpPr>
-      <p:grpSpPr>
-        <a:xfrm>
-          <a:off x="0" y="0"/>
-          <a:ext cx="0" cy="0"/>
-          <a:chOff x="0" y="0"/>
-          <a:chExt cx="0" cy="0"/>
-        </a:xfrm>
-      </p:grpSpPr>
-      <p:pic>
-        <p:nvPicPr>
-          <p:cNvPr id="3" name="Imagen 2" descr="Interfaz de usuario gráfica, Texto, Aplicación, Chat o mensaje de texto, Sitio web&#10;&#10;Descripción generada automáticamente">
-            <a:extLst>
-              <a:ext uri="{FF2B5EF4-FFF2-40B4-BE49-F238E27FC236}">
-                <a16:creationId xmlns:a16="http://schemas.microsoft.com/office/drawing/2014/main" id="{B25E9CED-C91D-4BEA-D721-00BB86B0F810}"/>
-              </a:ext>
-            </a:extLst>
-          </p:cNvPr>
-          <p:cNvPicPr>
-            <a:picLocks noChangeAspect="1"/>
-          </p:cNvPicPr>
-          <p:nvPr/>
-        </p:nvPicPr>
-        <p:blipFill>
-          <a:blip r:embed="rId2">
-            <a:extLst>
-              <a:ext uri="{28A0092B-C50C-407E-A947-70E740481C1C}">
-                <a14:useLocalDpi xmlns:a14="http://schemas.microsoft.com/office/drawing/2010/main" val="0"/>
-              </a:ext>
-            </a:extLst>
-          </a:blip>
-          <a:stretch>
-            <a:fillRect/>
-          </a:stretch>
-        </p:blipFill>
-        <p:spPr>
-          <a:xfrm>
-            <a:off x="1600200" y="1204912"/>
-            <a:ext cx="8991600" cy="4448175"/>
-          </a:xfrm>
-          <a:prstGeom prst="rect">
-            <a:avLst/>
-          </a:prstGeom>
-        </p:spPr>
-      </p:pic>
-      <p:sp>
-        <p:nvSpPr>
-          <p:cNvPr id="4" name="Rectángulo 3">
-            <a:extLst>
-              <a:ext uri="{FF2B5EF4-FFF2-40B4-BE49-F238E27FC236}">
-                <a16:creationId xmlns:a16="http://schemas.microsoft.com/office/drawing/2014/main" id="{DA0C9F06-04D5-1C0A-F0BA-72D56FAC2412}"/>
-              </a:ext>
-            </a:extLst>
-          </p:cNvPr>
-          <p:cNvSpPr/>
-          <p:nvPr/>
-        </p:nvSpPr>
-        <p:spPr>
-          <a:xfrm>
-            <a:off x="9889566" y="5657783"/>
-            <a:ext cx="1194558" cy="461665"/>
-          </a:xfrm>
-          <a:prstGeom prst="rect">
-            <a:avLst/>
-          </a:prstGeom>
-          <a:noFill/>
-        </p:spPr>
-        <p:txBody>
-          <a:bodyPr wrap="none" lIns="91440" tIns="45720" rIns="91440" bIns="45720">
-            <a:spAutoFit/>
-          </a:bodyPr>
-          <a:lstStyle/>
-          <a:p>
-            <a:pPr algn="ctr"/>
-            <a:r>
-              <a:rPr lang="es-ES" sz="2400" b="0" cap="none" spc="0" dirty="0">
-                <a:ln w="0"/>
-                <a:solidFill>
-                  <a:schemeClr val="tx1"/>
-                </a:solidFill>
-                <a:effectLst>
-                  <a:outerShdw blurRad="38100" dist="19050" dir="2700000" algn="tl" rotWithShape="0">
-                    <a:schemeClr val="dk1">
-                      <a:alpha val="40000"/>
-                    </a:schemeClr>
-                  </a:outerShdw>
-                </a:effectLst>
-              </a:rPr>
-              <a:t>Damaris</a:t>
-            </a:r>
-          </a:p>
-        </p:txBody>
-      </p:sp>
-    </p:spTree>
-    <p:extLst>
-      <p:ext uri="{BB962C8B-B14F-4D97-AF65-F5344CB8AC3E}">
-        <p14:creationId xmlns:p14="http://schemas.microsoft.com/office/powerpoint/2010/main" val="1391562476"/>
-      </p:ext>
-    </p:extLst>
-  </p:cSld>
-  <p:clrMapOvr>
-    <a:masterClrMapping/>
-  </p:clrMapOvr>
-</p:sld>
-</file>
-
-<file path=ppt/slides/slide9.xml><?xml version="1.0" encoding="utf-8"?>
 <p:sld xmlns:a="http://schemas.openxmlformats.org/drawingml/2006/main" xmlns:r="http://schemas.openxmlformats.org/officeDocument/2006/relationships" xmlns:p="http://schemas.openxmlformats.org/presentationml/2006/main">
   <p:cSld>
     <p:bg>
@@ -8843,6 +8708,750 @@
       <p:bldP spid="2" grpId="0"/>
     </p:bldLst>
   </p:timing>
+</p:sld>
+</file>
+
+<file path=ppt/slides/slide6.xml><?xml version="1.0" encoding="utf-8"?>
+<p:sld xmlns:a="http://schemas.openxmlformats.org/drawingml/2006/main" xmlns:r="http://schemas.openxmlformats.org/officeDocument/2006/relationships" xmlns:p="http://schemas.openxmlformats.org/presentationml/2006/main">
+  <p:cSld>
+    <p:spTree>
+      <p:nvGrpSpPr>
+        <p:cNvPr id="1" name=""/>
+        <p:cNvGrpSpPr/>
+        <p:nvPr/>
+      </p:nvGrpSpPr>
+      <p:grpSpPr>
+        <a:xfrm>
+          <a:off x="0" y="0"/>
+          <a:ext cx="0" cy="0"/>
+          <a:chOff x="0" y="0"/>
+          <a:chExt cx="0" cy="0"/>
+        </a:xfrm>
+      </p:grpSpPr>
+      <p:pic>
+        <p:nvPicPr>
+          <p:cNvPr id="3" name="Imagen 2">
+            <a:extLst>
+              <a:ext uri="{FF2B5EF4-FFF2-40B4-BE49-F238E27FC236}">
+                <a16:creationId xmlns:a16="http://schemas.microsoft.com/office/drawing/2014/main" id="{E167D06C-DEFF-6113-02A2-8780E57B6F16}"/>
+              </a:ext>
+            </a:extLst>
+          </p:cNvPr>
+          <p:cNvPicPr>
+            <a:picLocks noChangeAspect="1"/>
+          </p:cNvPicPr>
+          <p:nvPr/>
+        </p:nvPicPr>
+        <p:blipFill>
+          <a:blip r:embed="rId2"/>
+          <a:stretch>
+            <a:fillRect/>
+          </a:stretch>
+        </p:blipFill>
+        <p:spPr>
+          <a:xfrm>
+            <a:off x="2326817" y="760779"/>
+            <a:ext cx="2319771" cy="4554747"/>
+          </a:xfrm>
+          <a:prstGeom prst="rect">
+            <a:avLst/>
+          </a:prstGeom>
+        </p:spPr>
+      </p:pic>
+      <p:pic>
+        <p:nvPicPr>
+          <p:cNvPr id="5" name="Imagen 4">
+            <a:extLst>
+              <a:ext uri="{FF2B5EF4-FFF2-40B4-BE49-F238E27FC236}">
+                <a16:creationId xmlns:a16="http://schemas.microsoft.com/office/drawing/2014/main" id="{4BAEC1FB-740C-CF5C-7F24-3613ED81AF17}"/>
+              </a:ext>
+            </a:extLst>
+          </p:cNvPr>
+          <p:cNvPicPr>
+            <a:picLocks noChangeAspect="1"/>
+          </p:cNvPicPr>
+          <p:nvPr/>
+        </p:nvPicPr>
+        <p:blipFill>
+          <a:blip r:embed="rId3"/>
+          <a:stretch>
+            <a:fillRect/>
+          </a:stretch>
+        </p:blipFill>
+        <p:spPr>
+          <a:xfrm>
+            <a:off x="6962024" y="760779"/>
+            <a:ext cx="2358501" cy="4554747"/>
+          </a:xfrm>
+          <a:prstGeom prst="rect">
+            <a:avLst/>
+          </a:prstGeom>
+        </p:spPr>
+      </p:pic>
+      <p:sp>
+        <p:nvSpPr>
+          <p:cNvPr id="6" name="Rectángulo 5">
+            <a:extLst>
+              <a:ext uri="{FF2B5EF4-FFF2-40B4-BE49-F238E27FC236}">
+                <a16:creationId xmlns:a16="http://schemas.microsoft.com/office/drawing/2014/main" id="{44242DFE-0C4A-9969-4B61-8CAF3E7F6619}"/>
+              </a:ext>
+            </a:extLst>
+          </p:cNvPr>
+          <p:cNvSpPr/>
+          <p:nvPr/>
+        </p:nvSpPr>
+        <p:spPr>
+          <a:xfrm>
+            <a:off x="2445216" y="5315526"/>
+            <a:ext cx="2201372" cy="461665"/>
+          </a:xfrm>
+          <a:prstGeom prst="rect">
+            <a:avLst/>
+          </a:prstGeom>
+          <a:noFill/>
+        </p:spPr>
+        <p:txBody>
+          <a:bodyPr wrap="none" lIns="91440" tIns="45720" rIns="91440" bIns="45720">
+            <a:spAutoFit/>
+          </a:bodyPr>
+          <a:lstStyle/>
+          <a:p>
+            <a:pPr algn="ctr"/>
+            <a:r>
+              <a:rPr lang="es-ES" sz="2400" b="0" cap="none" spc="0" dirty="0">
+                <a:ln w="0"/>
+                <a:solidFill>
+                  <a:schemeClr val="tx1"/>
+                </a:solidFill>
+                <a:effectLst>
+                  <a:outerShdw blurRad="38100" dist="19050" dir="2700000" algn="tl" rotWithShape="0">
+                    <a:schemeClr val="dk1">
+                      <a:alpha val="40000"/>
+                    </a:schemeClr>
+                  </a:outerShdw>
+                </a:effectLst>
+              </a:rPr>
+              <a:t>Pantalla de inicio</a:t>
+            </a:r>
+          </a:p>
+        </p:txBody>
+      </p:sp>
+      <p:sp>
+        <p:nvSpPr>
+          <p:cNvPr id="7" name="Rectángulo 6">
+            <a:extLst>
+              <a:ext uri="{FF2B5EF4-FFF2-40B4-BE49-F238E27FC236}">
+                <a16:creationId xmlns:a16="http://schemas.microsoft.com/office/drawing/2014/main" id="{E9A84149-AC6E-9D6A-72FC-3674FF9603D0}"/>
+              </a:ext>
+            </a:extLst>
+          </p:cNvPr>
+          <p:cNvSpPr/>
+          <p:nvPr/>
+        </p:nvSpPr>
+        <p:spPr>
+          <a:xfrm>
+            <a:off x="7194563" y="5315525"/>
+            <a:ext cx="2050562" cy="461665"/>
+          </a:xfrm>
+          <a:prstGeom prst="rect">
+            <a:avLst/>
+          </a:prstGeom>
+          <a:noFill/>
+        </p:spPr>
+        <p:txBody>
+          <a:bodyPr wrap="none" lIns="91440" tIns="45720" rIns="91440" bIns="45720">
+            <a:spAutoFit/>
+          </a:bodyPr>
+          <a:lstStyle/>
+          <a:p>
+            <a:pPr algn="ctr"/>
+            <a:r>
+              <a:rPr lang="es-ES" sz="2400" b="0" cap="none" spc="0" dirty="0">
+                <a:ln w="0"/>
+                <a:solidFill>
+                  <a:schemeClr val="tx1"/>
+                </a:solidFill>
+                <a:effectLst>
+                  <a:outerShdw blurRad="38100" dist="19050" dir="2700000" algn="tl" rotWithShape="0">
+                    <a:schemeClr val="dk1">
+                      <a:alpha val="40000"/>
+                    </a:schemeClr>
+                  </a:outerShdw>
+                </a:effectLst>
+              </a:rPr>
+              <a:t>Inicio de sesión</a:t>
+            </a:r>
+          </a:p>
+        </p:txBody>
+      </p:sp>
+    </p:spTree>
+    <p:extLst>
+      <p:ext uri="{BB962C8B-B14F-4D97-AF65-F5344CB8AC3E}">
+        <p14:creationId xmlns:p14="http://schemas.microsoft.com/office/powerpoint/2010/main" val="2611932602"/>
+      </p:ext>
+    </p:extLst>
+  </p:cSld>
+  <p:clrMapOvr>
+    <a:masterClrMapping/>
+  </p:clrMapOvr>
+</p:sld>
+</file>
+
+<file path=ppt/slides/slide7.xml><?xml version="1.0" encoding="utf-8"?>
+<p:sld xmlns:a="http://schemas.openxmlformats.org/drawingml/2006/main" xmlns:r="http://schemas.openxmlformats.org/officeDocument/2006/relationships" xmlns:p="http://schemas.openxmlformats.org/presentationml/2006/main">
+  <p:cSld>
+    <p:spTree>
+      <p:nvGrpSpPr>
+        <p:cNvPr id="1" name=""/>
+        <p:cNvGrpSpPr/>
+        <p:nvPr/>
+      </p:nvGrpSpPr>
+      <p:grpSpPr>
+        <a:xfrm>
+          <a:off x="0" y="0"/>
+          <a:ext cx="0" cy="0"/>
+          <a:chOff x="0" y="0"/>
+          <a:chExt cx="0" cy="0"/>
+        </a:xfrm>
+      </p:grpSpPr>
+      <p:pic>
+        <p:nvPicPr>
+          <p:cNvPr id="3" name="Imagen 2">
+            <a:extLst>
+              <a:ext uri="{FF2B5EF4-FFF2-40B4-BE49-F238E27FC236}">
+                <a16:creationId xmlns:a16="http://schemas.microsoft.com/office/drawing/2014/main" id="{BB7D996A-0374-F0AC-AC1D-9AF81A79439D}"/>
+              </a:ext>
+            </a:extLst>
+          </p:cNvPr>
+          <p:cNvPicPr>
+            <a:picLocks noChangeAspect="1"/>
+          </p:cNvPicPr>
+          <p:nvPr/>
+        </p:nvPicPr>
+        <p:blipFill>
+          <a:blip r:embed="rId2"/>
+          <a:stretch>
+            <a:fillRect/>
+          </a:stretch>
+        </p:blipFill>
+        <p:spPr>
+          <a:xfrm>
+            <a:off x="2696638" y="886689"/>
+            <a:ext cx="2494198" cy="4846971"/>
+          </a:xfrm>
+          <a:prstGeom prst="rect">
+            <a:avLst/>
+          </a:prstGeom>
+        </p:spPr>
+      </p:pic>
+      <p:pic>
+        <p:nvPicPr>
+          <p:cNvPr id="5" name="Imagen 4">
+            <a:extLst>
+              <a:ext uri="{FF2B5EF4-FFF2-40B4-BE49-F238E27FC236}">
+                <a16:creationId xmlns:a16="http://schemas.microsoft.com/office/drawing/2014/main" id="{BE6080B0-D5EE-D926-03B7-DBB16644A73E}"/>
+              </a:ext>
+            </a:extLst>
+          </p:cNvPr>
+          <p:cNvPicPr>
+            <a:picLocks noChangeAspect="1"/>
+          </p:cNvPicPr>
+          <p:nvPr/>
+        </p:nvPicPr>
+        <p:blipFill>
+          <a:blip r:embed="rId3"/>
+          <a:stretch>
+            <a:fillRect/>
+          </a:stretch>
+        </p:blipFill>
+        <p:spPr>
+          <a:xfrm>
+            <a:off x="6474608" y="886689"/>
+            <a:ext cx="2506833" cy="4846971"/>
+          </a:xfrm>
+          <a:prstGeom prst="rect">
+            <a:avLst/>
+          </a:prstGeom>
+        </p:spPr>
+      </p:pic>
+      <p:sp>
+        <p:nvSpPr>
+          <p:cNvPr id="6" name="Rectángulo 5">
+            <a:extLst>
+              <a:ext uri="{FF2B5EF4-FFF2-40B4-BE49-F238E27FC236}">
+                <a16:creationId xmlns:a16="http://schemas.microsoft.com/office/drawing/2014/main" id="{6E3A68D5-0ACA-FB8A-39E9-10C12FC8BC7C}"/>
+              </a:ext>
+            </a:extLst>
+          </p:cNvPr>
+          <p:cNvSpPr/>
+          <p:nvPr/>
+        </p:nvSpPr>
+        <p:spPr>
+          <a:xfrm>
+            <a:off x="3249637" y="5733660"/>
+            <a:ext cx="1388201" cy="461665"/>
+          </a:xfrm>
+          <a:prstGeom prst="rect">
+            <a:avLst/>
+          </a:prstGeom>
+          <a:noFill/>
+        </p:spPr>
+        <p:txBody>
+          <a:bodyPr wrap="none" lIns="91440" tIns="45720" rIns="91440" bIns="45720">
+            <a:spAutoFit/>
+          </a:bodyPr>
+          <a:lstStyle/>
+          <a:p>
+            <a:pPr algn="ctr"/>
+            <a:r>
+              <a:rPr lang="es-ES" sz="2400" b="0" cap="none" spc="0" dirty="0">
+                <a:ln w="0"/>
+                <a:solidFill>
+                  <a:schemeClr val="tx1"/>
+                </a:solidFill>
+                <a:effectLst>
+                  <a:outerShdw blurRad="38100" dist="19050" dir="2700000" algn="tl" rotWithShape="0">
+                    <a:schemeClr val="dk1">
+                      <a:alpha val="40000"/>
+                    </a:schemeClr>
+                  </a:outerShdw>
+                </a:effectLst>
+              </a:rPr>
+              <a:t>Instagram</a:t>
+            </a:r>
+          </a:p>
+        </p:txBody>
+      </p:sp>
+      <p:sp>
+        <p:nvSpPr>
+          <p:cNvPr id="7" name="Rectángulo 6">
+            <a:extLst>
+              <a:ext uri="{FF2B5EF4-FFF2-40B4-BE49-F238E27FC236}">
+                <a16:creationId xmlns:a16="http://schemas.microsoft.com/office/drawing/2014/main" id="{F0A34C58-A9CF-D607-FCC3-6F52018F0BA6}"/>
+              </a:ext>
+            </a:extLst>
+          </p:cNvPr>
+          <p:cNvSpPr/>
+          <p:nvPr/>
+        </p:nvSpPr>
+        <p:spPr>
+          <a:xfrm>
+            <a:off x="7054443" y="5740478"/>
+            <a:ext cx="1347164" cy="461665"/>
+          </a:xfrm>
+          <a:prstGeom prst="rect">
+            <a:avLst/>
+          </a:prstGeom>
+          <a:noFill/>
+        </p:spPr>
+        <p:txBody>
+          <a:bodyPr wrap="none" lIns="91440" tIns="45720" rIns="91440" bIns="45720">
+            <a:spAutoFit/>
+          </a:bodyPr>
+          <a:lstStyle/>
+          <a:p>
+            <a:pPr algn="ctr"/>
+            <a:r>
+              <a:rPr lang="es-ES" sz="2400" b="0" cap="none" spc="0" dirty="0">
+                <a:ln w="0"/>
+                <a:solidFill>
+                  <a:schemeClr val="tx1"/>
+                </a:solidFill>
+                <a:effectLst>
+                  <a:outerShdw blurRad="38100" dist="19050" dir="2700000" algn="tl" rotWithShape="0">
+                    <a:schemeClr val="dk1">
+                      <a:alpha val="40000"/>
+                    </a:schemeClr>
+                  </a:outerShdw>
+                </a:effectLst>
+              </a:rPr>
+              <a:t>Facebook</a:t>
+            </a:r>
+          </a:p>
+        </p:txBody>
+      </p:sp>
+    </p:spTree>
+    <p:extLst>
+      <p:ext uri="{BB962C8B-B14F-4D97-AF65-F5344CB8AC3E}">
+        <p14:creationId xmlns:p14="http://schemas.microsoft.com/office/powerpoint/2010/main" val="1732374878"/>
+      </p:ext>
+    </p:extLst>
+  </p:cSld>
+  <p:clrMapOvr>
+    <a:masterClrMapping/>
+  </p:clrMapOvr>
+</p:sld>
+</file>
+
+<file path=ppt/slides/slide8.xml><?xml version="1.0" encoding="utf-8"?>
+<p:sld xmlns:a="http://schemas.openxmlformats.org/drawingml/2006/main" xmlns:r="http://schemas.openxmlformats.org/officeDocument/2006/relationships" xmlns:p="http://schemas.openxmlformats.org/presentationml/2006/main">
+  <p:cSld>
+    <p:spTree>
+      <p:nvGrpSpPr>
+        <p:cNvPr id="1" name=""/>
+        <p:cNvGrpSpPr/>
+        <p:nvPr/>
+      </p:nvGrpSpPr>
+      <p:grpSpPr>
+        <a:xfrm>
+          <a:off x="0" y="0"/>
+          <a:ext cx="0" cy="0"/>
+          <a:chOff x="0" y="0"/>
+          <a:chExt cx="0" cy="0"/>
+        </a:xfrm>
+      </p:grpSpPr>
+      <p:pic>
+        <p:nvPicPr>
+          <p:cNvPr id="3" name="Imagen 2">
+            <a:extLst>
+              <a:ext uri="{FF2B5EF4-FFF2-40B4-BE49-F238E27FC236}">
+                <a16:creationId xmlns:a16="http://schemas.microsoft.com/office/drawing/2014/main" id="{252CBD69-55BB-E7E1-31E4-E91135A8BF12}"/>
+              </a:ext>
+            </a:extLst>
+          </p:cNvPr>
+          <p:cNvPicPr>
+            <a:picLocks noChangeAspect="1"/>
+          </p:cNvPicPr>
+          <p:nvPr/>
+        </p:nvPicPr>
+        <p:blipFill>
+          <a:blip r:embed="rId2"/>
+          <a:stretch>
+            <a:fillRect/>
+          </a:stretch>
+        </p:blipFill>
+        <p:spPr>
+          <a:xfrm>
+            <a:off x="2399362" y="726357"/>
+            <a:ext cx="2440492" cy="4926298"/>
+          </a:xfrm>
+          <a:prstGeom prst="rect">
+            <a:avLst/>
+          </a:prstGeom>
+        </p:spPr>
+      </p:pic>
+      <p:pic>
+        <p:nvPicPr>
+          <p:cNvPr id="5" name="Imagen 4">
+            <a:extLst>
+              <a:ext uri="{FF2B5EF4-FFF2-40B4-BE49-F238E27FC236}">
+                <a16:creationId xmlns:a16="http://schemas.microsoft.com/office/drawing/2014/main" id="{2191E103-AD6E-8692-594B-8EE4CA06D72E}"/>
+              </a:ext>
+            </a:extLst>
+          </p:cNvPr>
+          <p:cNvPicPr>
+            <a:picLocks noChangeAspect="1"/>
+          </p:cNvPicPr>
+          <p:nvPr/>
+        </p:nvPicPr>
+        <p:blipFill>
+          <a:blip r:embed="rId3"/>
+          <a:stretch>
+            <a:fillRect/>
+          </a:stretch>
+        </p:blipFill>
+        <p:spPr>
+          <a:xfrm>
+            <a:off x="6813240" y="726357"/>
+            <a:ext cx="2485986" cy="4926298"/>
+          </a:xfrm>
+          <a:prstGeom prst="rect">
+            <a:avLst/>
+          </a:prstGeom>
+        </p:spPr>
+      </p:pic>
+      <p:sp>
+        <p:nvSpPr>
+          <p:cNvPr id="6" name="Rectángulo 5">
+            <a:extLst>
+              <a:ext uri="{FF2B5EF4-FFF2-40B4-BE49-F238E27FC236}">
+                <a16:creationId xmlns:a16="http://schemas.microsoft.com/office/drawing/2014/main" id="{9DDFABCB-92FB-04F7-6021-39ED110947EF}"/>
+              </a:ext>
+            </a:extLst>
+          </p:cNvPr>
+          <p:cNvSpPr/>
+          <p:nvPr/>
+        </p:nvSpPr>
+        <p:spPr>
+          <a:xfrm>
+            <a:off x="2623184" y="5652655"/>
+            <a:ext cx="1992853" cy="461665"/>
+          </a:xfrm>
+          <a:prstGeom prst="rect">
+            <a:avLst/>
+          </a:prstGeom>
+          <a:noFill/>
+        </p:spPr>
+        <p:txBody>
+          <a:bodyPr wrap="none" lIns="91440" tIns="45720" rIns="91440" bIns="45720">
+            <a:spAutoFit/>
+          </a:bodyPr>
+          <a:lstStyle/>
+          <a:p>
+            <a:pPr algn="ctr"/>
+            <a:r>
+              <a:rPr lang="es-ES" sz="2400" b="0" cap="none" spc="0" dirty="0">
+                <a:ln w="0"/>
+                <a:solidFill>
+                  <a:schemeClr val="tx1"/>
+                </a:solidFill>
+                <a:effectLst>
+                  <a:outerShdw blurRad="38100" dist="19050" dir="2700000" algn="tl" rotWithShape="0">
+                    <a:schemeClr val="dk1">
+                      <a:alpha val="40000"/>
+                    </a:schemeClr>
+                  </a:outerShdw>
+                </a:effectLst>
+              </a:rPr>
+              <a:t>Menú principal</a:t>
+            </a:r>
+          </a:p>
+        </p:txBody>
+      </p:sp>
+      <p:sp>
+        <p:nvSpPr>
+          <p:cNvPr id="7" name="Rectángulo 6">
+            <a:extLst>
+              <a:ext uri="{FF2B5EF4-FFF2-40B4-BE49-F238E27FC236}">
+                <a16:creationId xmlns:a16="http://schemas.microsoft.com/office/drawing/2014/main" id="{9F10F1B3-ECE8-08AE-95D5-17F5146978DE}"/>
+              </a:ext>
+            </a:extLst>
+          </p:cNvPr>
+          <p:cNvSpPr/>
+          <p:nvPr/>
+        </p:nvSpPr>
+        <p:spPr>
+          <a:xfrm>
+            <a:off x="6608725" y="5669978"/>
+            <a:ext cx="2895023" cy="461665"/>
+          </a:xfrm>
+          <a:prstGeom prst="rect">
+            <a:avLst/>
+          </a:prstGeom>
+          <a:noFill/>
+        </p:spPr>
+        <p:txBody>
+          <a:bodyPr wrap="none" lIns="91440" tIns="45720" rIns="91440" bIns="45720">
+            <a:spAutoFit/>
+          </a:bodyPr>
+          <a:lstStyle/>
+          <a:p>
+            <a:pPr algn="ctr"/>
+            <a:r>
+              <a:rPr lang="es-ES" sz="2400" b="0" cap="none" spc="0" dirty="0">
+                <a:ln w="0"/>
+                <a:solidFill>
+                  <a:schemeClr val="tx1"/>
+                </a:solidFill>
+                <a:effectLst>
+                  <a:outerShdw blurRad="38100" dist="19050" dir="2700000" algn="tl" rotWithShape="0">
+                    <a:schemeClr val="dk1">
+                      <a:alpha val="40000"/>
+                    </a:schemeClr>
+                  </a:outerShdw>
+                </a:effectLst>
+              </a:rPr>
+              <a:t>Catalogo de productos</a:t>
+            </a:r>
+          </a:p>
+        </p:txBody>
+      </p:sp>
+    </p:spTree>
+    <p:extLst>
+      <p:ext uri="{BB962C8B-B14F-4D97-AF65-F5344CB8AC3E}">
+        <p14:creationId xmlns:p14="http://schemas.microsoft.com/office/powerpoint/2010/main" val="4239082882"/>
+      </p:ext>
+    </p:extLst>
+  </p:cSld>
+  <p:clrMapOvr>
+    <a:masterClrMapping/>
+  </p:clrMapOvr>
+</p:sld>
+</file>
+
+<file path=ppt/slides/slide9.xml><?xml version="1.0" encoding="utf-8"?>
+<p:sld xmlns:a="http://schemas.openxmlformats.org/drawingml/2006/main" xmlns:r="http://schemas.openxmlformats.org/officeDocument/2006/relationships" xmlns:p="http://schemas.openxmlformats.org/presentationml/2006/main">
+  <p:cSld>
+    <p:spTree>
+      <p:nvGrpSpPr>
+        <p:cNvPr id="1" name=""/>
+        <p:cNvGrpSpPr/>
+        <p:nvPr/>
+      </p:nvGrpSpPr>
+      <p:grpSpPr>
+        <a:xfrm>
+          <a:off x="0" y="0"/>
+          <a:ext cx="0" cy="0"/>
+          <a:chOff x="0" y="0"/>
+          <a:chExt cx="0" cy="0"/>
+        </a:xfrm>
+      </p:grpSpPr>
+      <p:pic>
+        <p:nvPicPr>
+          <p:cNvPr id="3" name="Imagen 2">
+            <a:extLst>
+              <a:ext uri="{FF2B5EF4-FFF2-40B4-BE49-F238E27FC236}">
+                <a16:creationId xmlns:a16="http://schemas.microsoft.com/office/drawing/2014/main" id="{FCF3E918-6120-FEF2-4FB5-71728C193DDF}"/>
+              </a:ext>
+            </a:extLst>
+          </p:cNvPr>
+          <p:cNvPicPr>
+            <a:picLocks noChangeAspect="1"/>
+          </p:cNvPicPr>
+          <p:nvPr/>
+        </p:nvPicPr>
+        <p:blipFill>
+          <a:blip r:embed="rId2"/>
+          <a:stretch>
+            <a:fillRect/>
+          </a:stretch>
+        </p:blipFill>
+        <p:spPr>
+          <a:xfrm>
+            <a:off x="7300850" y="848786"/>
+            <a:ext cx="2355602" cy="4613564"/>
+          </a:xfrm>
+          <a:prstGeom prst="rect">
+            <a:avLst/>
+          </a:prstGeom>
+        </p:spPr>
+      </p:pic>
+      <p:pic>
+        <p:nvPicPr>
+          <p:cNvPr id="4" name="Imagen 3">
+            <a:extLst>
+              <a:ext uri="{FF2B5EF4-FFF2-40B4-BE49-F238E27FC236}">
+                <a16:creationId xmlns:a16="http://schemas.microsoft.com/office/drawing/2014/main" id="{766BDBC5-B82F-13E9-DB15-C32936F0BCF6}"/>
+              </a:ext>
+            </a:extLst>
+          </p:cNvPr>
+          <p:cNvPicPr>
+            <a:picLocks noChangeAspect="1"/>
+          </p:cNvPicPr>
+          <p:nvPr/>
+        </p:nvPicPr>
+        <p:blipFill>
+          <a:blip r:embed="rId3"/>
+          <a:stretch>
+            <a:fillRect/>
+          </a:stretch>
+        </p:blipFill>
+        <p:spPr>
+          <a:xfrm>
+            <a:off x="2682989" y="848786"/>
+            <a:ext cx="2208162" cy="4493491"/>
+          </a:xfrm>
+          <a:prstGeom prst="rect">
+            <a:avLst/>
+          </a:prstGeom>
+        </p:spPr>
+      </p:pic>
+      <p:sp>
+        <p:nvSpPr>
+          <p:cNvPr id="5" name="Rectángulo 4">
+            <a:extLst>
+              <a:ext uri="{FF2B5EF4-FFF2-40B4-BE49-F238E27FC236}">
+                <a16:creationId xmlns:a16="http://schemas.microsoft.com/office/drawing/2014/main" id="{A2E278E6-2111-A91D-9E43-1780139F1EFC}"/>
+              </a:ext>
+            </a:extLst>
+          </p:cNvPr>
+          <p:cNvSpPr/>
+          <p:nvPr/>
+        </p:nvSpPr>
+        <p:spPr>
+          <a:xfrm>
+            <a:off x="2751810" y="5547549"/>
+            <a:ext cx="2310249" cy="461665"/>
+          </a:xfrm>
+          <a:prstGeom prst="rect">
+            <a:avLst/>
+          </a:prstGeom>
+          <a:noFill/>
+        </p:spPr>
+        <p:txBody>
+          <a:bodyPr wrap="none" lIns="91440" tIns="45720" rIns="91440" bIns="45720">
+            <a:spAutoFit/>
+          </a:bodyPr>
+          <a:lstStyle/>
+          <a:p>
+            <a:pPr algn="ctr"/>
+            <a:r>
+              <a:rPr lang="es-ES" sz="2400" b="0" cap="none" spc="0" dirty="0">
+                <a:ln w="0"/>
+                <a:solidFill>
+                  <a:schemeClr val="tx1"/>
+                </a:solidFill>
+                <a:effectLst>
+                  <a:outerShdw blurRad="38100" dist="19050" dir="2700000" algn="tl" rotWithShape="0">
+                    <a:schemeClr val="dk1">
+                      <a:alpha val="40000"/>
+                    </a:schemeClr>
+                  </a:outerShdw>
+                </a:effectLst>
+              </a:rPr>
+              <a:t>Cuenta del cliente</a:t>
+            </a:r>
+          </a:p>
+        </p:txBody>
+      </p:sp>
+      <p:sp>
+        <p:nvSpPr>
+          <p:cNvPr id="6" name="Rectángulo 5">
+            <a:extLst>
+              <a:ext uri="{FF2B5EF4-FFF2-40B4-BE49-F238E27FC236}">
+                <a16:creationId xmlns:a16="http://schemas.microsoft.com/office/drawing/2014/main" id="{7234AB12-96A2-ACD2-E0F7-297CE3706C1E}"/>
+              </a:ext>
+            </a:extLst>
+          </p:cNvPr>
+          <p:cNvSpPr/>
+          <p:nvPr/>
+        </p:nvSpPr>
+        <p:spPr>
+          <a:xfrm>
+            <a:off x="6901709" y="5547548"/>
+            <a:ext cx="3108543" cy="461665"/>
+          </a:xfrm>
+          <a:prstGeom prst="rect">
+            <a:avLst/>
+          </a:prstGeom>
+          <a:noFill/>
+        </p:spPr>
+        <p:txBody>
+          <a:bodyPr wrap="none" lIns="91440" tIns="45720" rIns="91440" bIns="45720">
+            <a:spAutoFit/>
+          </a:bodyPr>
+          <a:lstStyle/>
+          <a:p>
+            <a:pPr algn="ctr"/>
+            <a:r>
+              <a:rPr lang="es-ES" sz="2400" b="0" cap="none" spc="0" dirty="0">
+                <a:ln w="0"/>
+                <a:solidFill>
+                  <a:schemeClr val="tx1"/>
+                </a:solidFill>
+                <a:effectLst>
+                  <a:outerShdw blurRad="38100" dist="19050" dir="2700000" algn="tl" rotWithShape="0">
+                    <a:schemeClr val="dk1">
+                      <a:alpha val="40000"/>
+                    </a:schemeClr>
+                  </a:outerShdw>
+                </a:effectLst>
+              </a:rPr>
+              <a:t>Configuración de cuenta</a:t>
+            </a:r>
+          </a:p>
+        </p:txBody>
+      </p:sp>
+    </p:spTree>
+    <p:extLst>
+      <p:ext uri="{BB962C8B-B14F-4D97-AF65-F5344CB8AC3E}">
+        <p14:creationId xmlns:p14="http://schemas.microsoft.com/office/powerpoint/2010/main" val="816740263"/>
+      </p:ext>
+    </p:extLst>
+  </p:cSld>
+  <p:clrMapOvr>
+    <a:masterClrMapping/>
+  </p:clrMapOvr>
 </p:sld>
 </file>
 

--- a/Proyecto App Móviles.pptx
+++ b/Proyecto App Móviles.pptx
@@ -7628,7 +7628,7 @@
           <a:lstStyle/>
           <a:p>
             <a:r>
-              <a:rPr lang="es-PE">
+              <a:rPr lang="es-PE" dirty="0">
                 <a:solidFill>
                   <a:schemeClr val="tx2"/>
                 </a:solidFill>
@@ -7753,7 +7753,7 @@
                   <a:schemeClr val="bg1"/>
                 </a:solidFill>
               </a:rPr>
-              <a:t>Viendo el gran avance que han hecho las hermanas con Tsuki, ahora hemos notado la necesidad de resolver algunos inconvenientes que de subsanar harían su negocio mucho más fructífero para dar el siguiente gran paso de calidad que todo el mundo espera de ellas, de modo que se ha propuesto la elaboración de una app de pedidos personalizada, con distintos módulos como el registro de clientes, catalogo de productos, carrito de compras con el proceso de pago y envío, contacto; y para la gestión de la empresa los módulos de ranking de clientes y lista de pedidos pendientes e históricos. </a:t>
+              <a:t>Viendo el gran avance que han hecho las hermanas con Tsuki, ahora hemos notado la necesidad de resolver algunos inconvenientes que de subsanar harían su negocio mucho más fructífero para dar el siguiente gran paso de calidad que todo el mundo espera de ellas, de modo que se ha propuesto la elaboración de una app de pedidos personalizada, con distintos módulos como el registro de clientes, catálogo de productos, carrito de compras con el proceso de pago y envío, contacto.  </a:t>
             </a:r>
             <a:endParaRPr lang="es-PE" sz="2200" dirty="0">
               <a:solidFill>
